--- a/论文资料/深度森林/Chapter+Seven-6-Deep_Forest.pptx
+++ b/论文资料/深度森林/Chapter+Seven-6-Deep_Forest.pptx
@@ -3,38 +3,38 @@
 <p:presentation xmlns:a="http://schemas.openxmlformats.org/drawingml/2006/main" xmlns:r="http://schemas.openxmlformats.org/officeDocument/2006/relationships" xmlns:p="http://schemas.openxmlformats.org/presentationml/2006/main">
   <p:sldMasterIdLst>
     <p:sldMasterId id="2147483648" r:id="rId1"/>
-    <p:sldMasterId id="2147483656" r:id="rId2"/>
-    <p:sldMasterId id="2147483672" r:id="rId3"/>
+    <p:sldMasterId id="2147483656" r:id="rId3"/>
+    <p:sldMasterId id="2147483672" r:id="rId4"/>
   </p:sldMasterIdLst>
   <p:notesMasterIdLst>
-    <p:notesMasterId r:id="rId29"/>
+    <p:notesMasterId r:id="rId6"/>
   </p:notesMasterIdLst>
   <p:sldIdLst>
-    <p:sldId id="256" r:id="rId4"/>
-    <p:sldId id="263" r:id="rId5"/>
-    <p:sldId id="269" r:id="rId6"/>
-    <p:sldId id="527" r:id="rId7"/>
-    <p:sldId id="577" r:id="rId8"/>
-    <p:sldId id="578" r:id="rId9"/>
-    <p:sldId id="581" r:id="rId10"/>
-    <p:sldId id="716" r:id="rId11"/>
-    <p:sldId id="717" r:id="rId12"/>
-    <p:sldId id="547" r:id="rId13"/>
-    <p:sldId id="718" r:id="rId14"/>
-    <p:sldId id="551" r:id="rId15"/>
-    <p:sldId id="720" r:id="rId16"/>
-    <p:sldId id="721" r:id="rId17"/>
-    <p:sldId id="586" r:id="rId18"/>
-    <p:sldId id="722" r:id="rId19"/>
-    <p:sldId id="723" r:id="rId20"/>
-    <p:sldId id="724" r:id="rId21"/>
-    <p:sldId id="725" r:id="rId22"/>
-    <p:sldId id="548" r:id="rId23"/>
-    <p:sldId id="455" r:id="rId24"/>
-    <p:sldId id="640" r:id="rId25"/>
-    <p:sldId id="480" r:id="rId26"/>
-    <p:sldId id="572" r:id="rId27"/>
-    <p:sldId id="266" r:id="rId28"/>
+    <p:sldId id="256" r:id="rId5"/>
+    <p:sldId id="263" r:id="rId7"/>
+    <p:sldId id="269" r:id="rId8"/>
+    <p:sldId id="527" r:id="rId9"/>
+    <p:sldId id="577" r:id="rId10"/>
+    <p:sldId id="578" r:id="rId11"/>
+    <p:sldId id="581" r:id="rId12"/>
+    <p:sldId id="716" r:id="rId13"/>
+    <p:sldId id="717" r:id="rId14"/>
+    <p:sldId id="547" r:id="rId15"/>
+    <p:sldId id="718" r:id="rId16"/>
+    <p:sldId id="551" r:id="rId17"/>
+    <p:sldId id="720" r:id="rId18"/>
+    <p:sldId id="721" r:id="rId19"/>
+    <p:sldId id="586" r:id="rId20"/>
+    <p:sldId id="722" r:id="rId21"/>
+    <p:sldId id="723" r:id="rId22"/>
+    <p:sldId id="724" r:id="rId23"/>
+    <p:sldId id="725" r:id="rId24"/>
+    <p:sldId id="548" r:id="rId25"/>
+    <p:sldId id="455" r:id="rId26"/>
+    <p:sldId id="640" r:id="rId27"/>
+    <p:sldId id="480" r:id="rId28"/>
+    <p:sldId id="572" r:id="rId29"/>
+    <p:sldId id="266" r:id="rId30"/>
   </p:sldIdLst>
   <p:sldSz cx="12192000" cy="6858000"/>
   <p:notesSz cx="6858000" cy="9144000"/>
@@ -133,22 +133,6 @@
       </a:defRPr>
     </a:lvl9pPr>
   </p:defaultTextStyle>
-  <p:extLst>
-    <p:ext uri="{EFAFB233-063F-42B5-8137-9DF3F51BA10A}">
-      <p15:sldGuideLst xmlns:p15="http://schemas.microsoft.com/office/powerpoint/2012/main">
-        <p15:guide id="1" orient="horz" pos="2193">
-          <p15:clr>
-            <a:srgbClr val="A4A3A4"/>
-          </p15:clr>
-        </p15:guide>
-        <p15:guide id="2" pos="3870">
-          <p15:clr>
-            <a:srgbClr val="A4A3A4"/>
-          </p15:clr>
-        </p15:guide>
-      </p15:sldGuideLst>
-    </p:ext>
-  </p:extLst>
 </p:presentation>
 </file>
 
@@ -234,7 +218,6 @@
           <a:p>
             <a:fld id="{1E5BCEC9-DDE4-4B30-87D6-0017517D5E27}" type="datetimeFigureOut">
               <a:rPr lang="zh-CN" altLang="en-US" smtClean="0"/>
-              <a:t>2019/4/4</a:t>
             </a:fld>
             <a:endParaRPr lang="zh-CN" altLang="en-US"/>
           </a:p>
@@ -301,6 +284,7 @@
               <a:rPr lang="zh-CN" altLang="en-US"/>
               <a:t>编辑母版文本样式</a:t>
             </a:r>
+            <a:endParaRPr lang="zh-CN" altLang="en-US"/>
           </a:p>
           <a:p>
             <a:pPr lvl="1"/>
@@ -308,6 +292,7 @@
               <a:rPr lang="zh-CN" altLang="en-US"/>
               <a:t>第二级</a:t>
             </a:r>
+            <a:endParaRPr lang="zh-CN" altLang="en-US"/>
           </a:p>
           <a:p>
             <a:pPr lvl="2"/>
@@ -315,6 +300,7 @@
               <a:rPr lang="zh-CN" altLang="en-US"/>
               <a:t>第三级</a:t>
             </a:r>
+            <a:endParaRPr lang="zh-CN" altLang="en-US"/>
           </a:p>
           <a:p>
             <a:pPr lvl="3"/>
@@ -322,6 +308,7 @@
               <a:rPr lang="zh-CN" altLang="en-US"/>
               <a:t>第四级</a:t>
             </a:r>
+            <a:endParaRPr lang="zh-CN" altLang="en-US"/>
           </a:p>
           <a:p>
             <a:pPr lvl="4"/>
@@ -329,6 +316,7 @@
               <a:rPr lang="zh-CN" altLang="en-US"/>
               <a:t>第五级</a:t>
             </a:r>
+            <a:endParaRPr lang="zh-CN" altLang="en-US"/>
           </a:p>
         </p:txBody>
       </p:sp>
@@ -392,7 +380,6 @@
           <a:p>
             <a:fld id="{5FD4487E-253C-4F2A-AD3B-D7DF4058A670}" type="slidenum">
               <a:rPr lang="zh-CN" altLang="en-US" smtClean="0"/>
-              <a:t>‹#›</a:t>
             </a:fld>
             <a:endParaRPr lang="zh-CN" altLang="en-US"/>
           </a:p>
@@ -554,6 +541,7 @@
               <a:rPr lang="zh-CN" altLang="en-US"/>
               <a:t>非神经网络，基于树的方法。</a:t>
             </a:r>
+            <a:endParaRPr lang="zh-CN" altLang="en-US"/>
           </a:p>
         </p:txBody>
       </p:sp>
@@ -608,7 +596,6 @@
                 <a:ea typeface="宋体" pitchFamily="2" charset="-122"/>
                 <a:cs typeface="+mn-cs"/>
               </a:rPr>
-              <a:t>1</a:t>
             </a:fld>
             <a:endParaRPr kumimoji="0" lang="en-US" altLang="zh-CN" sz="1200" b="0" i="0" u="none" strike="noStrike" kern="1200" cap="none" spc="0" normalizeH="0" baseline="0" noProof="0">
               <a:ln>
@@ -729,7 +716,6 @@
                 <a:ea typeface="等线" panose="02010600030101010101" pitchFamily="2" charset="-122"/>
                 <a:cs typeface="+mn-cs"/>
               </a:rPr>
-              <a:t>10</a:t>
             </a:fld>
             <a:endParaRPr kumimoji="0" lang="zh-CN" altLang="en-US" sz="1200" b="0" i="0" u="none" strike="noStrike" kern="1200" cap="none" spc="0" normalizeH="0" baseline="0" noProof="0">
               <a:ln>
@@ -850,7 +836,6 @@
                 <a:ea typeface="等线" panose="02010600030101010101" pitchFamily="2" charset="-122"/>
                 <a:cs typeface="+mn-cs"/>
               </a:rPr>
-              <a:t>11</a:t>
             </a:fld>
             <a:endParaRPr kumimoji="0" lang="zh-CN" altLang="en-US" sz="1200" b="0" i="0" u="none" strike="noStrike" kern="1200" cap="none" spc="0" normalizeH="0" baseline="0" noProof="0">
               <a:ln>
@@ -870,11 +855,6 @@
         </p:txBody>
       </p:sp>
     </p:spTree>
-    <p:extLst>
-      <p:ext uri="{BB962C8B-B14F-4D97-AF65-F5344CB8AC3E}">
-        <p14:creationId xmlns:p14="http://schemas.microsoft.com/office/powerpoint/2010/main" val="2730217309"/>
-      </p:ext>
-    </p:extLst>
   </p:cSld>
   <p:clrMapOvr>
     <a:masterClrMapping/>
@@ -976,7 +956,6 @@
                 <a:ea typeface="等线" panose="02010600030101010101" pitchFamily="2" charset="-122"/>
                 <a:cs typeface="+mn-cs"/>
               </a:rPr>
-              <a:t>12</a:t>
             </a:fld>
             <a:endParaRPr kumimoji="0" lang="zh-CN" altLang="en-US" sz="1200" b="0" i="0" u="none" strike="noStrike" kern="1200" cap="none" spc="0" normalizeH="0" baseline="0" noProof="0">
               <a:ln>
@@ -1097,7 +1076,6 @@
                 <a:ea typeface="等线" panose="02010600030101010101" pitchFamily="2" charset="-122"/>
                 <a:cs typeface="+mn-cs"/>
               </a:rPr>
-              <a:t>13</a:t>
             </a:fld>
             <a:endParaRPr kumimoji="0" lang="zh-CN" altLang="en-US" sz="1200" b="0" i="0" u="none" strike="noStrike" kern="1200" cap="none" spc="0" normalizeH="0" baseline="0" noProof="0">
               <a:ln>
@@ -1117,11 +1095,6 @@
         </p:txBody>
       </p:sp>
     </p:spTree>
-    <p:extLst>
-      <p:ext uri="{BB962C8B-B14F-4D97-AF65-F5344CB8AC3E}">
-        <p14:creationId xmlns:p14="http://schemas.microsoft.com/office/powerpoint/2010/main" val="71959440"/>
-      </p:ext>
-    </p:extLst>
   </p:cSld>
   <p:clrMapOvr>
     <a:masterClrMapping/>
@@ -1223,7 +1196,6 @@
                 <a:ea typeface="等线" panose="02010600030101010101" pitchFamily="2" charset="-122"/>
                 <a:cs typeface="+mn-cs"/>
               </a:rPr>
-              <a:t>14</a:t>
             </a:fld>
             <a:endParaRPr kumimoji="0" lang="zh-CN" altLang="en-US" sz="1200" b="0" i="0" u="none" strike="noStrike" kern="1200" cap="none" spc="0" normalizeH="0" baseline="0" noProof="0">
               <a:ln>
@@ -1243,11 +1215,6 @@
         </p:txBody>
       </p:sp>
     </p:spTree>
-    <p:extLst>
-      <p:ext uri="{BB962C8B-B14F-4D97-AF65-F5344CB8AC3E}">
-        <p14:creationId xmlns:p14="http://schemas.microsoft.com/office/powerpoint/2010/main" val="1214792689"/>
-      </p:ext>
-    </p:extLst>
   </p:cSld>
   <p:clrMapOvr>
     <a:masterClrMapping/>
@@ -1349,7 +1316,6 @@
                 <a:ea typeface="等线" panose="02010600030101010101" pitchFamily="2" charset="-122"/>
                 <a:cs typeface="+mn-cs"/>
               </a:rPr>
-              <a:t>15</a:t>
             </a:fld>
             <a:endParaRPr kumimoji="0" lang="zh-CN" altLang="en-US" sz="1200" b="0" i="0" u="none" strike="noStrike" kern="1200" cap="none" spc="0" normalizeH="0" baseline="0" noProof="0">
               <a:ln>
@@ -1434,7 +1400,6 @@
               <a:buSzTx/>
               <a:buFontTx/>
               <a:buNone/>
-              <a:tabLst/>
               <a:defRPr/>
             </a:pPr>
             <a:r>
@@ -1670,7 +1635,6 @@
                 <a:ea typeface="等线" panose="02010600030101010101" pitchFamily="2" charset="-122"/>
                 <a:cs typeface="+mn-cs"/>
               </a:rPr>
-              <a:t>16</a:t>
             </a:fld>
             <a:endParaRPr kumimoji="0" lang="zh-CN" altLang="en-US" sz="1200" b="0" i="0" u="none" strike="noStrike" kern="1200" cap="none" spc="0" normalizeH="0" baseline="0" noProof="0">
               <a:ln>
@@ -1690,11 +1654,6 @@
         </p:txBody>
       </p:sp>
     </p:spTree>
-    <p:extLst>
-      <p:ext uri="{BB962C8B-B14F-4D97-AF65-F5344CB8AC3E}">
-        <p14:creationId xmlns:p14="http://schemas.microsoft.com/office/powerpoint/2010/main" val="1266480064"/>
-      </p:ext>
-    </p:extLst>
   </p:cSld>
   <p:clrMapOvr>
     <a:masterClrMapping/>
@@ -1796,7 +1755,6 @@
                 <a:ea typeface="等线" panose="02010600030101010101" pitchFamily="2" charset="-122"/>
                 <a:cs typeface="+mn-cs"/>
               </a:rPr>
-              <a:t>17</a:t>
             </a:fld>
             <a:endParaRPr kumimoji="0" lang="zh-CN" altLang="en-US" sz="1200" b="0" i="0" u="none" strike="noStrike" kern="1200" cap="none" spc="0" normalizeH="0" baseline="0" noProof="0">
               <a:ln>
@@ -1816,11 +1774,6 @@
         </p:txBody>
       </p:sp>
     </p:spTree>
-    <p:extLst>
-      <p:ext uri="{BB962C8B-B14F-4D97-AF65-F5344CB8AC3E}">
-        <p14:creationId xmlns:p14="http://schemas.microsoft.com/office/powerpoint/2010/main" val="4003568723"/>
-      </p:ext>
-    </p:extLst>
   </p:cSld>
   <p:clrMapOvr>
     <a:masterClrMapping/>
@@ -1928,7 +1881,6 @@
                 <a:ea typeface="等线" panose="02010600030101010101" pitchFamily="2" charset="-122"/>
                 <a:cs typeface="+mn-cs"/>
               </a:rPr>
-              <a:t>18</a:t>
             </a:fld>
             <a:endParaRPr kumimoji="0" lang="zh-CN" altLang="en-US" sz="1200" b="0" i="0" u="none" strike="noStrike" kern="1200" cap="none" spc="0" normalizeH="0" baseline="0" noProof="0">
               <a:ln>
@@ -1948,11 +1900,6 @@
         </p:txBody>
       </p:sp>
     </p:spTree>
-    <p:extLst>
-      <p:ext uri="{BB962C8B-B14F-4D97-AF65-F5344CB8AC3E}">
-        <p14:creationId xmlns:p14="http://schemas.microsoft.com/office/powerpoint/2010/main" val="1410665880"/>
-      </p:ext>
-    </p:extLst>
   </p:cSld>
   <p:clrMapOvr>
     <a:masterClrMapping/>
@@ -2054,7 +2001,6 @@
                 <a:ea typeface="等线" panose="02010600030101010101" pitchFamily="2" charset="-122"/>
                 <a:cs typeface="+mn-cs"/>
               </a:rPr>
-              <a:t>19</a:t>
             </a:fld>
             <a:endParaRPr kumimoji="0" lang="zh-CN" altLang="en-US" sz="1200" b="0" i="0" u="none" strike="noStrike" kern="1200" cap="none" spc="0" normalizeH="0" baseline="0" noProof="0">
               <a:ln>
@@ -2074,11 +2020,6 @@
         </p:txBody>
       </p:sp>
     </p:spTree>
-    <p:extLst>
-      <p:ext uri="{BB962C8B-B14F-4D97-AF65-F5344CB8AC3E}">
-        <p14:creationId xmlns:p14="http://schemas.microsoft.com/office/powerpoint/2010/main" val="2681047410"/>
-      </p:ext>
-    </p:extLst>
   </p:cSld>
   <p:clrMapOvr>
     <a:masterClrMapping/>
@@ -2134,6 +2075,7 @@
               <a:rPr lang="zh-CN" altLang="en-US" dirty="0"/>
               <a:t>图片可以替换</a:t>
             </a:r>
+            <a:endParaRPr lang="zh-CN" altLang="en-US" dirty="0"/>
           </a:p>
         </p:txBody>
       </p:sp>
@@ -2154,7 +2096,6 @@
           <a:p>
             <a:fld id="{5FD4487E-253C-4F2A-AD3B-D7DF4058A670}" type="slidenum">
               <a:rPr lang="zh-CN" altLang="en-US" smtClean="0"/>
-              <a:t>2</a:t>
             </a:fld>
             <a:endParaRPr lang="zh-CN" altLang="en-US"/>
           </a:p>
@@ -2262,7 +2203,6 @@
                 <a:ea typeface="等线" panose="02010600030101010101" pitchFamily="2" charset="-122"/>
                 <a:cs typeface="+mn-cs"/>
               </a:rPr>
-              <a:t>20</a:t>
             </a:fld>
             <a:endParaRPr kumimoji="0" lang="zh-CN" altLang="en-US" sz="1200" b="0" i="0" u="none" strike="noStrike" kern="1200" cap="none" spc="0" normalizeH="0" baseline="0" noProof="0">
               <a:ln>
@@ -2383,7 +2323,6 @@
                 <a:ea typeface="等线" panose="02010600030101010101" pitchFamily="2" charset="-122"/>
                 <a:cs typeface="+mn-cs"/>
               </a:rPr>
-              <a:t>21</a:t>
             </a:fld>
             <a:endParaRPr kumimoji="0" lang="zh-CN" altLang="en-US" sz="1200" b="0" i="0" u="none" strike="noStrike" kern="1200" cap="none" spc="0" normalizeH="0" baseline="0" noProof="0">
               <a:ln>
@@ -2504,7 +2443,6 @@
                 <a:ea typeface="等线" panose="02010600030101010101" pitchFamily="2" charset="-122"/>
                 <a:cs typeface="+mn-cs"/>
               </a:rPr>
-              <a:t>23</a:t>
             </a:fld>
             <a:endParaRPr kumimoji="0" lang="zh-CN" altLang="en-US" sz="1200" b="0" i="0" u="none" strike="noStrike" kern="1200" cap="none" spc="0" normalizeH="0" baseline="0" noProof="0">
               <a:ln>
@@ -2596,18 +2534,12 @@
           <a:p>
             <a:fld id="{5FD4487E-253C-4F2A-AD3B-D7DF4058A670}" type="slidenum">
               <a:rPr lang="zh-CN" altLang="en-US" smtClean="0"/>
-              <a:t>24</a:t>
             </a:fld>
             <a:endParaRPr lang="zh-CN" altLang="en-US"/>
           </a:p>
         </p:txBody>
       </p:sp>
     </p:spTree>
-    <p:extLst>
-      <p:ext uri="{BB962C8B-B14F-4D97-AF65-F5344CB8AC3E}">
-        <p14:creationId xmlns:p14="http://schemas.microsoft.com/office/powerpoint/2010/main" val="1875995998"/>
-      </p:ext>
-    </p:extLst>
   </p:cSld>
   <p:clrMapOvr>
     <a:masterClrMapping/>
@@ -2680,7 +2612,6 @@
           <a:p>
             <a:fld id="{5FD4487E-253C-4F2A-AD3B-D7DF4058A670}" type="slidenum">
               <a:rPr lang="zh-CN" altLang="en-US" smtClean="0"/>
-              <a:t>25</a:t>
             </a:fld>
             <a:endParaRPr lang="zh-CN" altLang="en-US"/>
           </a:p>
@@ -2742,6 +2673,7 @@
               <a:rPr lang="zh-CN" altLang="en-US" dirty="0"/>
               <a:t>回顾此前讲第二章机器学习基础部分讲的决策树与随机森林方法。</a:t>
             </a:r>
+            <a:endParaRPr lang="zh-CN" altLang="en-US" dirty="0"/>
           </a:p>
         </p:txBody>
       </p:sp>
@@ -2791,7 +2723,6 @@
                 <a:ea typeface="等线" panose="02010600030101010101" pitchFamily="2" charset="-122"/>
                 <a:cs typeface="+mn-cs"/>
               </a:rPr>
-              <a:t>3</a:t>
             </a:fld>
             <a:endParaRPr kumimoji="0" lang="zh-CN" altLang="en-US" sz="1200" b="0" i="0" u="none" strike="noStrike" kern="1200" cap="none" spc="0" normalizeH="0" baseline="0" noProof="0">
               <a:ln>
@@ -2946,7 +2877,6 @@
             </a:pPr>
             <a:fld id="{4C65793F-5438-41B3-A91D-F614E83A24DC}" type="slidenum">
               <a:rPr lang="zh-CN" altLang="en-US" smtClean="0"/>
-              <a:t>4</a:t>
             </a:fld>
             <a:endParaRPr lang="zh-CN" altLang="en-US"/>
           </a:p>
@@ -3028,7 +2958,6 @@
             </a:pPr>
             <a:fld id="{4C65793F-5438-41B3-A91D-F614E83A24DC}" type="slidenum">
               <a:rPr lang="zh-CN" altLang="en-US" smtClean="0"/>
-              <a:t>5</a:t>
             </a:fld>
             <a:endParaRPr lang="zh-CN" altLang="en-US"/>
           </a:p>
@@ -3110,7 +3039,6 @@
             </a:pPr>
             <a:fld id="{4C65793F-5438-41B3-A91D-F614E83A24DC}" type="slidenum">
               <a:rPr lang="zh-CN" altLang="en-US" smtClean="0"/>
-              <a:t>6</a:t>
             </a:fld>
             <a:endParaRPr lang="zh-CN" altLang="en-US"/>
           </a:p>
@@ -3172,36 +3100,42 @@
               <a:rPr lang="zh-CN" altLang="en-US" dirty="0"/>
               <a:t>在第一棵树中，根节点选取的特征是年龄，年龄小于30的被分为左子节点，年龄大于30的被分为右叶子节点，右叶子节点的预测值为1；</a:t>
             </a:r>
+            <a:endParaRPr lang="zh-CN" altLang="en-US" dirty="0"/>
           </a:p>
           <a:p>
             <a:r>
               <a:rPr lang="zh-CN" altLang="en-US" dirty="0"/>
               <a:t>第一棵树的左一节点继续分裂，分裂特征是月薪，小于10K划分为左叶子节点，预测值为5；工资大于10k的划分右叶子节点，预测值为10</a:t>
             </a:r>
+            <a:endParaRPr lang="zh-CN" altLang="en-US" dirty="0"/>
           </a:p>
           <a:p>
             <a:r>
               <a:rPr lang="zh-CN" altLang="en-US" dirty="0"/>
               <a:t>建立完第一棵树之后，C、D和E的预测值被更新为1，A为5，B为10</a:t>
             </a:r>
+            <a:endParaRPr lang="zh-CN" altLang="en-US" dirty="0"/>
           </a:p>
           <a:p>
             <a:r>
               <a:rPr lang="zh-CN" altLang="en-US" dirty="0"/>
               <a:t>根据新的预测值，开始建立第二棵树，第二棵树的根节点的性别，女性预测值为0.5，男性预测值为1.5</a:t>
             </a:r>
+            <a:endParaRPr lang="zh-CN" altLang="en-US" dirty="0"/>
           </a:p>
           <a:p>
             <a:r>
               <a:rPr lang="zh-CN" altLang="en-US" dirty="0"/>
               <a:t>建立完第二棵树之后，将第二棵树的预测值加到每个消费者已有的预测值上，比如A的预测值为两棵树的预测值之和：5+0.5=5.5</a:t>
             </a:r>
+            <a:endParaRPr lang="zh-CN" altLang="en-US" dirty="0"/>
           </a:p>
           <a:p>
             <a:r>
               <a:rPr lang="zh-CN" altLang="en-US" dirty="0"/>
               <a:t>通过这种方式，不断地优化预测准确率。</a:t>
             </a:r>
+            <a:endParaRPr lang="zh-CN" altLang="en-US" dirty="0"/>
           </a:p>
           <a:p>
             <a:endParaRPr lang="zh-CN" altLang="en-US" dirty="0"/>
@@ -3228,7 +3162,6 @@
             </a:pPr>
             <a:fld id="{4C65793F-5438-41B3-A91D-F614E83A24DC}" type="slidenum">
               <a:rPr lang="zh-CN" altLang="en-US" smtClean="0"/>
-              <a:t>7</a:t>
             </a:fld>
             <a:endParaRPr lang="zh-CN" altLang="en-US"/>
           </a:p>
@@ -3310,7 +3243,6 @@
             </a:pPr>
             <a:fld id="{4C65793F-5438-41B3-A91D-F614E83A24DC}" type="slidenum">
               <a:rPr lang="zh-CN" altLang="en-US" smtClean="0"/>
-              <a:t>8</a:t>
             </a:fld>
             <a:endParaRPr lang="zh-CN" altLang="en-US"/>
           </a:p>
@@ -3392,7 +3324,6 @@
             </a:pPr>
             <a:fld id="{4C65793F-5438-41B3-A91D-F614E83A24DC}" type="slidenum">
               <a:rPr lang="zh-CN" altLang="en-US" smtClean="0"/>
-              <a:t>9</a:t>
             </a:fld>
             <a:endParaRPr lang="zh-CN" altLang="en-US"/>
           </a:p>
@@ -3568,7 +3499,6 @@
                 <a:ea typeface="华文中宋" charset="0"/>
                 <a:cs typeface="+mn-cs"/>
               </a:rPr>
-              <a:t>2019/4/4</a:t>
             </a:fld>
             <a:endParaRPr kumimoji="0" lang="zh-CN" altLang="en-US" sz="1200" b="1" i="0" u="none" strike="noStrike" kern="1200" cap="none" spc="0" normalizeH="0" baseline="0" noProof="0">
               <a:ln>
@@ -3687,7 +3617,6 @@
                 <a:ea typeface="华文中宋" charset="0"/>
                 <a:cs typeface="+mn-cs"/>
               </a:rPr>
-              <a:t>‹#›</a:t>
             </a:fld>
             <a:endParaRPr kumimoji="0" lang="en-US" altLang="zh-CN" sz="1200" b="1" i="0" u="none" strike="noStrike" kern="1200" cap="none" spc="0" normalizeH="0" baseline="0" noProof="0">
               <a:ln>
@@ -3717,7 +3646,7 @@
 </file>
 
 <file path=ppt/slideLayouts/slideLayout10.xml><?xml version="1.0" encoding="utf-8"?>
-<p:sldLayout xmlns:a="http://schemas.openxmlformats.org/drawingml/2006/main" xmlns:r="http://schemas.openxmlformats.org/officeDocument/2006/relationships" xmlns:p="http://schemas.openxmlformats.org/presentationml/2006/main" showMasterSp="0" type="secHead" preserve="1">
+<p:sldLayout xmlns:a="http://schemas.openxmlformats.org/drawingml/2006/main" xmlns:r="http://schemas.openxmlformats.org/officeDocument/2006/relationships" xmlns:p="http://schemas.openxmlformats.org/presentationml/2006/main" type="secHead" preserve="1" showMasterSp="0">
   <p:cSld name="节标题">
     <p:bg>
       <p:bgRef idx="1001">
@@ -3847,6 +3776,7 @@
               <a:rPr kumimoji="0" lang="zh-CN" altLang="en-US"/>
               <a:t>单击此处编辑母版文本样式</a:t>
             </a:r>
+            <a:endParaRPr kumimoji="0" lang="zh-CN" altLang="en-US"/>
           </a:p>
         </p:txBody>
       </p:sp>
@@ -3875,7 +3805,6 @@
             </a:pPr>
             <a:fld id="{1F22CAA9-D555-4637-A0E7-ADAFB05985CC}" type="datetime1">
               <a:rPr lang="zh-CN" altLang="en-US" smtClean="0"/>
-              <a:t>2019/4/4</a:t>
             </a:fld>
             <a:endParaRPr lang="zh-CN" altLang="en-US"/>
           </a:p>
@@ -3933,7 +3862,6 @@
             </a:pPr>
             <a:fld id="{D20C60E5-BE9C-42B3-BC00-1ED17C22C58A}" type="slidenum">
               <a:rPr lang="zh-CN" altLang="en-US" smtClean="0"/>
-              <a:t>‹#›</a:t>
             </a:fld>
             <a:endParaRPr lang="zh-CN" altLang="en-US" dirty="0"/>
           </a:p>
@@ -4104,7 +4032,6 @@
             </a:pPr>
             <a:fld id="{B83EF66C-D4D1-4E69-8E5B-FC5D00FC4587}" type="datetime1">
               <a:rPr lang="zh-CN" altLang="en-US" smtClean="0"/>
-              <a:t>2019/4/4</a:t>
             </a:fld>
             <a:endParaRPr lang="zh-CN" altLang="en-US"/>
           </a:p>
@@ -4152,7 +4079,6 @@
             </a:pPr>
             <a:fld id="{51FD954E-C6E5-46D9-8AB1-C4D485CE53C4}" type="slidenum">
               <a:rPr lang="zh-CN" altLang="en-US" smtClean="0"/>
-              <a:t>‹#›</a:t>
             </a:fld>
             <a:endParaRPr lang="zh-CN" altLang="en-US"/>
           </a:p>
@@ -4183,6 +4109,7 @@
               <a:rPr lang="zh-CN" altLang="en-US"/>
               <a:t>单击此处编辑母版文本样式</a:t>
             </a:r>
+            <a:endParaRPr lang="zh-CN" altLang="en-US"/>
           </a:p>
           <a:p>
             <a:pPr lvl="1" eaLnBrk="1" latinLnBrk="0" hangingPunct="1"/>
@@ -4190,6 +4117,7 @@
               <a:rPr lang="zh-CN" altLang="en-US"/>
               <a:t>第二级</a:t>
             </a:r>
+            <a:endParaRPr lang="zh-CN" altLang="en-US"/>
           </a:p>
           <a:p>
             <a:pPr lvl="2" eaLnBrk="1" latinLnBrk="0" hangingPunct="1"/>
@@ -4197,6 +4125,7 @@
               <a:rPr lang="zh-CN" altLang="en-US"/>
               <a:t>第三级</a:t>
             </a:r>
+            <a:endParaRPr lang="zh-CN" altLang="en-US"/>
           </a:p>
           <a:p>
             <a:pPr lvl="3" eaLnBrk="1" latinLnBrk="0" hangingPunct="1"/>
@@ -4204,6 +4133,7 @@
               <a:rPr lang="zh-CN" altLang="en-US"/>
               <a:t>第四级</a:t>
             </a:r>
+            <a:endParaRPr lang="zh-CN" altLang="en-US"/>
           </a:p>
           <a:p>
             <a:pPr lvl="4" eaLnBrk="1" latinLnBrk="0" hangingPunct="1"/>
@@ -4240,6 +4170,7 @@
               <a:rPr lang="zh-CN" altLang="en-US"/>
               <a:t>单击此处编辑母版文本样式</a:t>
             </a:r>
+            <a:endParaRPr lang="zh-CN" altLang="en-US"/>
           </a:p>
           <a:p>
             <a:pPr lvl="1" eaLnBrk="1" latinLnBrk="0" hangingPunct="1"/>
@@ -4247,6 +4178,7 @@
               <a:rPr lang="zh-CN" altLang="en-US"/>
               <a:t>第二级</a:t>
             </a:r>
+            <a:endParaRPr lang="zh-CN" altLang="en-US"/>
           </a:p>
           <a:p>
             <a:pPr lvl="2" eaLnBrk="1" latinLnBrk="0" hangingPunct="1"/>
@@ -4254,6 +4186,7 @@
               <a:rPr lang="zh-CN" altLang="en-US"/>
               <a:t>第三级</a:t>
             </a:r>
+            <a:endParaRPr lang="zh-CN" altLang="en-US"/>
           </a:p>
           <a:p>
             <a:pPr lvl="3" eaLnBrk="1" latinLnBrk="0" hangingPunct="1"/>
@@ -4261,6 +4194,7 @@
               <a:rPr lang="zh-CN" altLang="en-US"/>
               <a:t>第四级</a:t>
             </a:r>
+            <a:endParaRPr lang="zh-CN" altLang="en-US"/>
           </a:p>
           <a:p>
             <a:pPr lvl="4" eaLnBrk="1" latinLnBrk="0" hangingPunct="1"/>
@@ -4385,6 +4319,7 @@
               <a:rPr kumimoji="0" lang="zh-CN" altLang="en-US"/>
               <a:t>单击此处编辑母版文本样式</a:t>
             </a:r>
+            <a:endParaRPr kumimoji="0" lang="zh-CN" altLang="en-US"/>
           </a:p>
         </p:txBody>
       </p:sp>
@@ -4442,6 +4377,7 @@
               <a:rPr kumimoji="0" lang="zh-CN" altLang="en-US"/>
               <a:t>单击此处编辑母版文本样式</a:t>
             </a:r>
+            <a:endParaRPr kumimoji="0" lang="zh-CN" altLang="en-US"/>
           </a:p>
         </p:txBody>
       </p:sp>
@@ -4465,7 +4401,6 @@
             </a:pPr>
             <a:fld id="{5ED6EC4F-EB8E-43DA-A43D-D0261FB000D6}" type="datetime1">
               <a:rPr lang="zh-CN" altLang="en-US" smtClean="0"/>
-              <a:t>2019/4/4</a:t>
             </a:fld>
             <a:endParaRPr lang="zh-CN" altLang="en-US"/>
           </a:p>
@@ -4513,7 +4448,6 @@
             </a:pPr>
             <a:fld id="{38CE3FC7-9726-4829-87E3-21C7DC38C2A3}" type="slidenum">
               <a:rPr lang="zh-CN" altLang="en-US" smtClean="0"/>
-              <a:t>‹#›</a:t>
             </a:fld>
             <a:endParaRPr lang="zh-CN" altLang="en-US"/>
           </a:p>
@@ -4544,6 +4478,7 @@
               <a:rPr lang="zh-CN" altLang="en-US"/>
               <a:t>单击此处编辑母版文本样式</a:t>
             </a:r>
+            <a:endParaRPr lang="zh-CN" altLang="en-US"/>
           </a:p>
           <a:p>
             <a:pPr lvl="1" eaLnBrk="1" latinLnBrk="0" hangingPunct="1"/>
@@ -4551,6 +4486,7 @@
               <a:rPr lang="zh-CN" altLang="en-US"/>
               <a:t>第二级</a:t>
             </a:r>
+            <a:endParaRPr lang="zh-CN" altLang="en-US"/>
           </a:p>
           <a:p>
             <a:pPr lvl="2" eaLnBrk="1" latinLnBrk="0" hangingPunct="1"/>
@@ -4558,6 +4494,7 @@
               <a:rPr lang="zh-CN" altLang="en-US"/>
               <a:t>第三级</a:t>
             </a:r>
+            <a:endParaRPr lang="zh-CN" altLang="en-US"/>
           </a:p>
           <a:p>
             <a:pPr lvl="3" eaLnBrk="1" latinLnBrk="0" hangingPunct="1"/>
@@ -4565,6 +4502,7 @@
               <a:rPr lang="zh-CN" altLang="en-US"/>
               <a:t>第四级</a:t>
             </a:r>
+            <a:endParaRPr lang="zh-CN" altLang="en-US"/>
           </a:p>
           <a:p>
             <a:pPr lvl="4" eaLnBrk="1" latinLnBrk="0" hangingPunct="1"/>
@@ -4601,6 +4539,7 @@
               <a:rPr lang="zh-CN" altLang="en-US"/>
               <a:t>单击此处编辑母版文本样式</a:t>
             </a:r>
+            <a:endParaRPr lang="zh-CN" altLang="en-US"/>
           </a:p>
           <a:p>
             <a:pPr lvl="1" eaLnBrk="1" latinLnBrk="0" hangingPunct="1"/>
@@ -4608,6 +4547,7 @@
               <a:rPr lang="zh-CN" altLang="en-US"/>
               <a:t>第二级</a:t>
             </a:r>
+            <a:endParaRPr lang="zh-CN" altLang="en-US"/>
           </a:p>
           <a:p>
             <a:pPr lvl="2" eaLnBrk="1" latinLnBrk="0" hangingPunct="1"/>
@@ -4615,6 +4555,7 @@
               <a:rPr lang="zh-CN" altLang="en-US"/>
               <a:t>第三级</a:t>
             </a:r>
+            <a:endParaRPr lang="zh-CN" altLang="en-US"/>
           </a:p>
           <a:p>
             <a:pPr lvl="3" eaLnBrk="1" latinLnBrk="0" hangingPunct="1"/>
@@ -4622,6 +4563,7 @@
               <a:rPr lang="zh-CN" altLang="en-US"/>
               <a:t>第四级</a:t>
             </a:r>
+            <a:endParaRPr lang="zh-CN" altLang="en-US"/>
           </a:p>
           <a:p>
             <a:pPr lvl="4" eaLnBrk="1" latinLnBrk="0" hangingPunct="1"/>
@@ -4706,7 +4648,6 @@
             </a:pPr>
             <a:fld id="{2052ACB3-7DF8-4866-9208-9F9A6FF0CF35}" type="datetime1">
               <a:rPr lang="zh-CN" altLang="en-US" smtClean="0"/>
-              <a:t>2019/4/4</a:t>
             </a:fld>
             <a:endParaRPr lang="zh-CN" altLang="en-US"/>
           </a:p>
@@ -4754,7 +4695,6 @@
             </a:pPr>
             <a:fld id="{2E1C9E08-771B-4CDC-8556-B403080DAA29}" type="slidenum">
               <a:rPr lang="zh-CN" altLang="en-US" smtClean="0"/>
-              <a:t>‹#›</a:t>
             </a:fld>
             <a:endParaRPr lang="zh-CN" altLang="en-US"/>
           </a:p>
@@ -4819,7 +4759,7 @@
 </file>
 
 <file path=ppt/slideLayouts/slideLayout14.xml><?xml version="1.0" encoding="utf-8"?>
-<p:sldLayout xmlns:a="http://schemas.openxmlformats.org/drawingml/2006/main" xmlns:r="http://schemas.openxmlformats.org/officeDocument/2006/relationships" xmlns:p="http://schemas.openxmlformats.org/presentationml/2006/main" showMasterSp="0" type="blank" preserve="1">
+<p:sldLayout xmlns:a="http://schemas.openxmlformats.org/drawingml/2006/main" xmlns:r="http://schemas.openxmlformats.org/officeDocument/2006/relationships" xmlns:p="http://schemas.openxmlformats.org/presentationml/2006/main" type="blank" preserve="1" showMasterSp="0">
   <p:cSld name="空白">
     <p:spTree>
       <p:nvGrpSpPr>
@@ -4855,7 +4795,6 @@
             </a:pPr>
             <a:fld id="{8D458865-DB3A-481E-AE81-0386FA386B26}" type="datetime1">
               <a:rPr lang="zh-CN" altLang="en-US" smtClean="0"/>
-              <a:t>2019/4/4</a:t>
             </a:fld>
             <a:endParaRPr lang="zh-CN" altLang="en-US"/>
           </a:p>
@@ -4903,7 +4842,6 @@
             </a:pPr>
             <a:fld id="{7BAC49FF-4EEC-4523-9378-ACF461C6F8A4}" type="slidenum">
               <a:rPr lang="zh-CN" altLang="en-US" smtClean="0"/>
-              <a:t>‹#›</a:t>
             </a:fld>
             <a:endParaRPr lang="zh-CN" altLang="en-US"/>
           </a:p>
@@ -5004,7 +4942,7 @@
 </file>
 
 <file path=ppt/slideLayouts/slideLayout15.xml><?xml version="1.0" encoding="utf-8"?>
-<p:sldLayout xmlns:a="http://schemas.openxmlformats.org/drawingml/2006/main" xmlns:r="http://schemas.openxmlformats.org/officeDocument/2006/relationships" xmlns:p="http://schemas.openxmlformats.org/presentationml/2006/main" showMasterSp="0" type="objTx" preserve="1">
+<p:sldLayout xmlns:a="http://schemas.openxmlformats.org/drawingml/2006/main" xmlns:r="http://schemas.openxmlformats.org/officeDocument/2006/relationships" xmlns:p="http://schemas.openxmlformats.org/presentationml/2006/main" type="objTx" preserve="1" showMasterSp="0">
   <p:cSld name="内容与标题">
     <p:spTree>
       <p:nvGrpSpPr>
@@ -5118,6 +5056,7 @@
               <a:rPr kumimoji="0" lang="zh-CN" altLang="en-US"/>
               <a:t>单击此处编辑母版文本样式</a:t>
             </a:r>
+            <a:endParaRPr kumimoji="0" lang="zh-CN" altLang="en-US"/>
           </a:p>
         </p:txBody>
       </p:sp>
@@ -5141,7 +5080,6 @@
             </a:pPr>
             <a:fld id="{DBCC10B0-18F2-4AA5-933C-38A98B374D99}" type="datetime1">
               <a:rPr lang="zh-CN" altLang="en-US" smtClean="0"/>
-              <a:t>2019/4/4</a:t>
             </a:fld>
             <a:endParaRPr lang="zh-CN" altLang="en-US"/>
           </a:p>
@@ -5189,7 +5127,6 @@
             </a:pPr>
             <a:fld id="{43496739-93CB-456A-B7DA-C2464F621719}" type="slidenum">
               <a:rPr lang="zh-CN" altLang="en-US" smtClean="0"/>
-              <a:t>‹#›</a:t>
             </a:fld>
             <a:endParaRPr lang="zh-CN" altLang="en-US"/>
           </a:p>
@@ -5342,6 +5279,7 @@
               <a:rPr lang="zh-CN" altLang="en-US"/>
               <a:t>单击此处编辑母版文本样式</a:t>
             </a:r>
+            <a:endParaRPr lang="zh-CN" altLang="en-US"/>
           </a:p>
           <a:p>
             <a:pPr lvl="1" eaLnBrk="1" latinLnBrk="0" hangingPunct="1"/>
@@ -5349,6 +5287,7 @@
               <a:rPr lang="zh-CN" altLang="en-US"/>
               <a:t>第二级</a:t>
             </a:r>
+            <a:endParaRPr lang="zh-CN" altLang="en-US"/>
           </a:p>
           <a:p>
             <a:pPr lvl="2" eaLnBrk="1" latinLnBrk="0" hangingPunct="1"/>
@@ -5356,6 +5295,7 @@
               <a:rPr lang="zh-CN" altLang="en-US"/>
               <a:t>第三级</a:t>
             </a:r>
+            <a:endParaRPr lang="zh-CN" altLang="en-US"/>
           </a:p>
           <a:p>
             <a:pPr lvl="3" eaLnBrk="1" latinLnBrk="0" hangingPunct="1"/>
@@ -5363,6 +5303,7 @@
               <a:rPr lang="zh-CN" altLang="en-US"/>
               <a:t>第四级</a:t>
             </a:r>
+            <a:endParaRPr lang="zh-CN" altLang="en-US"/>
           </a:p>
           <a:p>
             <a:pPr lvl="4" eaLnBrk="1" latinLnBrk="0" hangingPunct="1"/>
@@ -5383,7 +5324,7 @@
 </file>
 
 <file path=ppt/slideLayouts/slideLayout16.xml><?xml version="1.0" encoding="utf-8"?>
-<p:sldLayout xmlns:a="http://schemas.openxmlformats.org/drawingml/2006/main" xmlns:r="http://schemas.openxmlformats.org/officeDocument/2006/relationships" xmlns:p="http://schemas.openxmlformats.org/presentationml/2006/main" showMasterSp="0" type="picTx" preserve="1">
+<p:sldLayout xmlns:a="http://schemas.openxmlformats.org/drawingml/2006/main" xmlns:r="http://schemas.openxmlformats.org/officeDocument/2006/relationships" xmlns:p="http://schemas.openxmlformats.org/presentationml/2006/main" type="picTx" preserve="1" showMasterSp="0">
   <p:cSld name="图片与标题">
     <p:bg>
       <p:bgRef idx="1001">
@@ -5534,6 +5475,7 @@
               <a:rPr kumimoji="0" lang="zh-CN" altLang="en-US"/>
               <a:t>单击此处编辑母版文本样式</a:t>
             </a:r>
+            <a:endParaRPr kumimoji="0" lang="zh-CN" altLang="en-US"/>
           </a:p>
         </p:txBody>
       </p:sp>
@@ -5557,7 +5499,6 @@
             </a:pPr>
             <a:fld id="{0B419A06-8BB7-4E1A-A4BD-2FC899356B84}" type="datetime1">
               <a:rPr lang="zh-CN" altLang="en-US" smtClean="0"/>
-              <a:t>2019/4/4</a:t>
             </a:fld>
             <a:endParaRPr lang="zh-CN" altLang="en-US"/>
           </a:p>
@@ -5605,7 +5546,6 @@
             </a:pPr>
             <a:fld id="{33C70C05-4E6D-48B5-9665-17C5D3B192BA}" type="slidenum">
               <a:rPr lang="zh-CN" altLang="en-US" smtClean="0"/>
-              <a:t>‹#›</a:t>
             </a:fld>
             <a:endParaRPr lang="zh-CN" altLang="en-US"/>
           </a:p>
@@ -5811,6 +5751,7 @@
               <a:rPr lang="zh-CN" altLang="en-US"/>
               <a:t>单击此处编辑母版文本样式</a:t>
             </a:r>
+            <a:endParaRPr lang="zh-CN" altLang="en-US"/>
           </a:p>
           <a:p>
             <a:pPr lvl="1" eaLnBrk="1" latinLnBrk="0" hangingPunct="1"/>
@@ -5818,6 +5759,7 @@
               <a:rPr lang="zh-CN" altLang="en-US"/>
               <a:t>第二级</a:t>
             </a:r>
+            <a:endParaRPr lang="zh-CN" altLang="en-US"/>
           </a:p>
           <a:p>
             <a:pPr lvl="2" eaLnBrk="1" latinLnBrk="0" hangingPunct="1"/>
@@ -5825,6 +5767,7 @@
               <a:rPr lang="zh-CN" altLang="en-US"/>
               <a:t>第三级</a:t>
             </a:r>
+            <a:endParaRPr lang="zh-CN" altLang="en-US"/>
           </a:p>
           <a:p>
             <a:pPr lvl="3" eaLnBrk="1" latinLnBrk="0" hangingPunct="1"/>
@@ -5832,6 +5775,7 @@
               <a:rPr lang="zh-CN" altLang="en-US"/>
               <a:t>第四级</a:t>
             </a:r>
+            <a:endParaRPr lang="zh-CN" altLang="en-US"/>
           </a:p>
           <a:p>
             <a:pPr lvl="4" eaLnBrk="1" latinLnBrk="0" hangingPunct="1"/>
@@ -5863,7 +5807,6 @@
             </a:pPr>
             <a:fld id="{3547862F-5EFE-4599-BEF0-A8722DE31606}" type="datetime1">
               <a:rPr lang="zh-CN" altLang="en-US" smtClean="0"/>
-              <a:t>2019/4/4</a:t>
             </a:fld>
             <a:endParaRPr lang="zh-CN" altLang="en-US"/>
           </a:p>
@@ -5911,7 +5854,6 @@
             </a:pPr>
             <a:fld id="{BE0E3920-98DC-499E-96E1-7EE22798F009}" type="slidenum">
               <a:rPr lang="zh-CN" altLang="en-US" smtClean="0"/>
-              <a:t>‹#›</a:t>
             </a:fld>
             <a:endParaRPr lang="zh-CN" altLang="en-US"/>
           </a:p>
@@ -5926,7 +5868,7 @@
 </file>
 
 <file path=ppt/slideLayouts/slideLayout18.xml><?xml version="1.0" encoding="utf-8"?>
-<p:sldLayout xmlns:a="http://schemas.openxmlformats.org/drawingml/2006/main" xmlns:r="http://schemas.openxmlformats.org/officeDocument/2006/relationships" xmlns:p="http://schemas.openxmlformats.org/presentationml/2006/main" showMasterSp="0" type="vertTitleAndTx" preserve="1">
+<p:sldLayout xmlns:a="http://schemas.openxmlformats.org/drawingml/2006/main" xmlns:r="http://schemas.openxmlformats.org/officeDocument/2006/relationships" xmlns:p="http://schemas.openxmlformats.org/presentationml/2006/main" type="vertTitleAndTx" preserve="1" showMasterSp="0">
   <p:cSld name="垂直排列标题与文本">
     <p:spTree>
       <p:nvGrpSpPr>
@@ -5995,6 +5937,7 @@
               <a:rPr lang="zh-CN" altLang="en-US"/>
               <a:t>单击此处编辑母版文本样式</a:t>
             </a:r>
+            <a:endParaRPr lang="zh-CN" altLang="en-US"/>
           </a:p>
           <a:p>
             <a:pPr lvl="1" eaLnBrk="1" latinLnBrk="0" hangingPunct="1"/>
@@ -6002,6 +5945,7 @@
               <a:rPr lang="zh-CN" altLang="en-US"/>
               <a:t>第二级</a:t>
             </a:r>
+            <a:endParaRPr lang="zh-CN" altLang="en-US"/>
           </a:p>
           <a:p>
             <a:pPr lvl="2" eaLnBrk="1" latinLnBrk="0" hangingPunct="1"/>
@@ -6009,6 +5953,7 @@
               <a:rPr lang="zh-CN" altLang="en-US"/>
               <a:t>第三级</a:t>
             </a:r>
+            <a:endParaRPr lang="zh-CN" altLang="en-US"/>
           </a:p>
           <a:p>
             <a:pPr lvl="3" eaLnBrk="1" latinLnBrk="0" hangingPunct="1"/>
@@ -6016,6 +5961,7 @@
               <a:rPr lang="zh-CN" altLang="en-US"/>
               <a:t>第四级</a:t>
             </a:r>
+            <a:endParaRPr lang="zh-CN" altLang="en-US"/>
           </a:p>
           <a:p>
             <a:pPr lvl="4" eaLnBrk="1" latinLnBrk="0" hangingPunct="1"/>
@@ -6047,7 +5993,6 @@
             </a:pPr>
             <a:fld id="{F4084CF6-B991-4FD6-A69C-199D1697FBF3}" type="datetime1">
               <a:rPr lang="zh-CN" altLang="en-US" smtClean="0"/>
-              <a:t>2019/4/4</a:t>
             </a:fld>
             <a:endParaRPr lang="zh-CN" altLang="en-US"/>
           </a:p>
@@ -6095,7 +6040,6 @@
             </a:pPr>
             <a:fld id="{7534C270-0DEA-46DE-B159-4E1BAAE55820}" type="slidenum">
               <a:rPr lang="zh-CN" altLang="en-US" smtClean="0"/>
-              <a:t>‹#›</a:t>
             </a:fld>
             <a:endParaRPr lang="zh-CN" altLang="en-US"/>
           </a:p>
@@ -6705,6 +6649,7 @@
               <a:rPr lang="zh-CN" altLang="en-US" dirty="0"/>
               <a:t>编辑母版文本样式</a:t>
             </a:r>
+            <a:endParaRPr lang="zh-CN" altLang="en-US" dirty="0"/>
           </a:p>
           <a:p>
             <a:pPr lvl="1"/>
@@ -6712,6 +6657,7 @@
               <a:rPr lang="zh-CN" altLang="en-US" dirty="0"/>
               <a:t>第二级</a:t>
             </a:r>
+            <a:endParaRPr lang="zh-CN" altLang="en-US" dirty="0"/>
           </a:p>
           <a:p>
             <a:pPr lvl="2"/>
@@ -6719,6 +6665,7 @@
               <a:rPr lang="zh-CN" altLang="en-US" dirty="0"/>
               <a:t>第三级</a:t>
             </a:r>
+            <a:endParaRPr lang="zh-CN" altLang="en-US" dirty="0"/>
           </a:p>
           <a:p>
             <a:pPr lvl="3"/>
@@ -6726,6 +6673,7 @@
               <a:rPr lang="zh-CN" altLang="en-US" dirty="0"/>
               <a:t>第四级</a:t>
             </a:r>
+            <a:endParaRPr lang="zh-CN" altLang="en-US" dirty="0"/>
           </a:p>
           <a:p>
             <a:pPr lvl="4"/>
@@ -6789,7 +6737,6 @@
                 <a:ea typeface="华文中宋" charset="0"/>
                 <a:cs typeface="+mn-cs"/>
               </a:rPr>
-              <a:t>2019/4/4</a:t>
             </a:fld>
             <a:endParaRPr kumimoji="0" lang="zh-CN" altLang="en-US" sz="1200" b="1" i="0" u="none" strike="noStrike" kern="1200" cap="none" spc="0" normalizeH="0" baseline="0" noProof="0">
               <a:ln>
@@ -6908,7 +6855,6 @@
                 <a:ea typeface="华文中宋" charset="0"/>
                 <a:cs typeface="+mn-cs"/>
               </a:rPr>
-              <a:t>‹#›</a:t>
             </a:fld>
             <a:endParaRPr kumimoji="0" lang="en-US" altLang="zh-CN" sz="1200" b="1" i="0" u="none" strike="noStrike" kern="1200" cap="none" spc="0" normalizeH="0" baseline="0" noProof="0">
               <a:ln>
@@ -7182,6 +7128,7 @@
               <a:rPr lang="zh-TW" altLang="en-US"/>
               <a:t>按一下以編輯母片標題樣式</a:t>
             </a:r>
+            <a:endParaRPr lang="zh-TW" altLang="en-US"/>
           </a:p>
         </p:txBody>
       </p:sp>
@@ -7210,6 +7157,7 @@
               <a:rPr lang="zh-TW" altLang="en-US"/>
               <a:t>按一下以編輯母片文字樣式</a:t>
             </a:r>
+            <a:endParaRPr lang="zh-TW" altLang="en-US"/>
           </a:p>
           <a:p>
             <a:pPr lvl="1"/>
@@ -7217,6 +7165,7 @@
               <a:rPr lang="zh-TW" altLang="en-US"/>
               <a:t>第二層</a:t>
             </a:r>
+            <a:endParaRPr lang="zh-TW" altLang="en-US"/>
           </a:p>
           <a:p>
             <a:pPr lvl="2"/>
@@ -7224,6 +7173,7 @@
               <a:rPr lang="zh-TW" altLang="en-US"/>
               <a:t>第三層</a:t>
             </a:r>
+            <a:endParaRPr lang="zh-TW" altLang="en-US"/>
           </a:p>
           <a:p>
             <a:pPr lvl="3"/>
@@ -7231,6 +7181,7 @@
               <a:rPr lang="zh-TW" altLang="en-US"/>
               <a:t>第四層</a:t>
             </a:r>
+            <a:endParaRPr lang="zh-TW" altLang="en-US"/>
           </a:p>
           <a:p>
             <a:pPr lvl="4"/>
@@ -7238,6 +7189,7 @@
               <a:rPr lang="zh-TW" altLang="en-US"/>
               <a:t>第五層</a:t>
             </a:r>
+            <a:endParaRPr lang="zh-TW" altLang="en-US"/>
           </a:p>
         </p:txBody>
       </p:sp>
@@ -7266,6 +7218,7 @@
               <a:rPr lang="zh-TW" altLang="en-US"/>
               <a:t>按一下以編輯母片文字樣式</a:t>
             </a:r>
+            <a:endParaRPr lang="zh-TW" altLang="en-US"/>
           </a:p>
           <a:p>
             <a:pPr lvl="1"/>
@@ -7273,6 +7226,7 @@
               <a:rPr lang="zh-TW" altLang="en-US"/>
               <a:t>第二層</a:t>
             </a:r>
+            <a:endParaRPr lang="zh-TW" altLang="en-US"/>
           </a:p>
           <a:p>
             <a:pPr lvl="2"/>
@@ -7280,6 +7234,7 @@
               <a:rPr lang="zh-TW" altLang="en-US"/>
               <a:t>第三層</a:t>
             </a:r>
+            <a:endParaRPr lang="zh-TW" altLang="en-US"/>
           </a:p>
           <a:p>
             <a:pPr lvl="3"/>
@@ -7287,6 +7242,7 @@
               <a:rPr lang="zh-TW" altLang="en-US"/>
               <a:t>第四層</a:t>
             </a:r>
+            <a:endParaRPr lang="zh-TW" altLang="en-US"/>
           </a:p>
           <a:p>
             <a:pPr lvl="4"/>
@@ -7294,6 +7250,7 @@
               <a:rPr lang="zh-TW" altLang="en-US"/>
               <a:t>第五層</a:t>
             </a:r>
+            <a:endParaRPr lang="zh-TW" altLang="en-US"/>
           </a:p>
         </p:txBody>
       </p:sp>
@@ -7322,6 +7279,7 @@
               <a:rPr lang="zh-TW" altLang="en-US"/>
               <a:t>按一下以編輯母片文字樣式</a:t>
             </a:r>
+            <a:endParaRPr lang="zh-TW" altLang="en-US"/>
           </a:p>
           <a:p>
             <a:pPr lvl="1"/>
@@ -7329,6 +7287,7 @@
               <a:rPr lang="zh-TW" altLang="en-US"/>
               <a:t>第二層</a:t>
             </a:r>
+            <a:endParaRPr lang="zh-TW" altLang="en-US"/>
           </a:p>
           <a:p>
             <a:pPr lvl="2"/>
@@ -7336,6 +7295,7 @@
               <a:rPr lang="zh-TW" altLang="en-US"/>
               <a:t>第三層</a:t>
             </a:r>
+            <a:endParaRPr lang="zh-TW" altLang="en-US"/>
           </a:p>
           <a:p>
             <a:pPr lvl="3"/>
@@ -7343,6 +7303,7 @@
               <a:rPr lang="zh-TW" altLang="en-US"/>
               <a:t>第四層</a:t>
             </a:r>
+            <a:endParaRPr lang="zh-TW" altLang="en-US"/>
           </a:p>
           <a:p>
             <a:pPr lvl="4"/>
@@ -7350,6 +7311,7 @@
               <a:rPr lang="zh-TW" altLang="en-US"/>
               <a:t>第五層</a:t>
             </a:r>
+            <a:endParaRPr lang="zh-TW" altLang="en-US"/>
           </a:p>
         </p:txBody>
       </p:sp>
@@ -7381,7 +7343,6 @@
                   <a:srgbClr val="000000"/>
                 </a:solidFill>
               </a:rPr>
-              <a:t>‹#›</a:t>
             </a:fld>
             <a:endParaRPr lang="en-US" altLang="zh-TW" dirty="0">
               <a:solidFill>
@@ -7439,6 +7400,7 @@
               <a:rPr lang="zh-CN" altLang="en-US"/>
               <a:t>单击此处编辑母版标题样式</a:t>
             </a:r>
+            <a:endParaRPr lang="zh-CN" altLang="en-US"/>
           </a:p>
         </p:txBody>
       </p:sp>
@@ -7486,6 +7448,7 @@
               <a:rPr lang="zh-CN" altLang="en-US"/>
               <a:t>单击此处编辑母版标题样式</a:t>
             </a:r>
+            <a:endParaRPr lang="zh-CN" altLang="en-US"/>
           </a:p>
         </p:txBody>
       </p:sp>
@@ -7659,7 +7622,6 @@
                 <a:ea typeface="华文中宋" charset="0"/>
                 <a:cs typeface="+mn-cs"/>
               </a:rPr>
-              <a:t>2019/4/4</a:t>
             </a:fld>
             <a:endParaRPr kumimoji="0" lang="zh-CN" altLang="en-US" sz="1200" b="1" i="0" u="none" strike="noStrike" kern="1200" cap="none" spc="0" normalizeH="0" baseline="0" noProof="0">
               <a:ln>
@@ -7778,7 +7740,6 @@
                 <a:ea typeface="华文中宋" charset="0"/>
                 <a:cs typeface="+mn-cs"/>
               </a:rPr>
-              <a:t>‹#›</a:t>
             </a:fld>
             <a:endParaRPr kumimoji="0" lang="en-US" altLang="zh-CN" sz="1200" b="1" i="0" u="none" strike="noStrike" kern="1200" cap="none" spc="0" normalizeH="0" baseline="0" noProof="0">
               <a:ln>
@@ -7849,6 +7810,7 @@
               <a:rPr lang="zh-CN" altLang="en-US" dirty="0"/>
               <a:t>编辑母版文本样式</a:t>
             </a:r>
+            <a:endParaRPr lang="zh-CN" altLang="en-US" dirty="0"/>
           </a:p>
           <a:p>
             <a:pPr lvl="1"/>
@@ -7856,6 +7818,7 @@
               <a:rPr lang="zh-CN" altLang="en-US" dirty="0"/>
               <a:t>第二级</a:t>
             </a:r>
+            <a:endParaRPr lang="zh-CN" altLang="en-US" dirty="0"/>
           </a:p>
           <a:p>
             <a:pPr lvl="2"/>
@@ -7863,6 +7826,7 @@
               <a:rPr lang="zh-CN" altLang="en-US" dirty="0"/>
               <a:t>第三级</a:t>
             </a:r>
+            <a:endParaRPr lang="zh-CN" altLang="en-US" dirty="0"/>
           </a:p>
           <a:p>
             <a:pPr lvl="3"/>
@@ -7870,6 +7834,7 @@
               <a:rPr lang="zh-CN" altLang="en-US" dirty="0"/>
               <a:t>第四级</a:t>
             </a:r>
+            <a:endParaRPr lang="zh-CN" altLang="en-US" dirty="0"/>
           </a:p>
           <a:p>
             <a:pPr lvl="4"/>
@@ -7933,7 +7898,6 @@
                 <a:ea typeface="华文中宋" charset="0"/>
                 <a:cs typeface="+mn-cs"/>
               </a:rPr>
-              <a:t>2019/4/4</a:t>
             </a:fld>
             <a:endParaRPr kumimoji="0" lang="zh-CN" altLang="en-US" sz="1200" b="1" i="0" u="none" strike="noStrike" kern="1200" cap="none" spc="0" normalizeH="0" baseline="0" noProof="0">
               <a:ln>
@@ -8052,7 +8016,6 @@
                 <a:ea typeface="华文中宋" charset="0"/>
                 <a:cs typeface="+mn-cs"/>
               </a:rPr>
-              <a:t>‹#›</a:t>
             </a:fld>
             <a:endParaRPr kumimoji="0" lang="en-US" altLang="zh-CN" sz="1200" b="1" i="0" u="none" strike="noStrike" kern="1200" cap="none" spc="0" normalizeH="0" baseline="0" noProof="0">
               <a:ln>
@@ -8350,7 +8313,6 @@
                 <a:ea typeface="华文中宋" charset="0"/>
                 <a:cs typeface="+mn-cs"/>
               </a:rPr>
-              <a:t>2019/4/4</a:t>
             </a:fld>
             <a:endParaRPr kumimoji="0" lang="zh-CN" altLang="en-US" sz="1200" b="1" i="0" u="none" strike="noStrike" kern="1200" cap="none" spc="0" normalizeH="0" baseline="0" noProof="0">
               <a:ln>
@@ -8469,7 +8431,6 @@
                 <a:ea typeface="华文中宋" charset="0"/>
                 <a:cs typeface="+mn-cs"/>
               </a:rPr>
-              <a:t>‹#›</a:t>
             </a:fld>
             <a:endParaRPr kumimoji="0" lang="en-US" altLang="zh-CN" sz="1200" b="1" i="0" u="none" strike="noStrike" kern="1200" cap="none" spc="0" normalizeH="0" baseline="0" noProof="0">
               <a:ln>
@@ -8816,7 +8777,6 @@
                 <a:ea typeface="华文中宋" charset="0"/>
                 <a:cs typeface="+mn-cs"/>
               </a:rPr>
-              <a:t>2019/4/4</a:t>
             </a:fld>
             <a:endParaRPr kumimoji="0" lang="zh-CN" altLang="en-US" sz="1200" b="1" i="0" u="none" strike="noStrike" kern="1200" cap="none" spc="0" normalizeH="0" baseline="0" noProof="0">
               <a:ln>
@@ -8935,7 +8895,6 @@
                 <a:ea typeface="华文中宋" charset="0"/>
                 <a:cs typeface="+mn-cs"/>
               </a:rPr>
-              <a:t>‹#›</a:t>
             </a:fld>
             <a:endParaRPr kumimoji="0" lang="en-US" altLang="zh-CN" sz="1200" b="1" i="0" u="none" strike="noStrike" kern="1200" cap="none" spc="0" normalizeH="0" baseline="0" noProof="0">
               <a:ln>
@@ -9074,7 +9033,6 @@
                 <a:ea typeface="华文中宋" charset="0"/>
                 <a:cs typeface="+mn-cs"/>
               </a:rPr>
-              <a:t>2019/4/4</a:t>
             </a:fld>
             <a:endParaRPr kumimoji="0" lang="zh-CN" altLang="en-US" sz="1200" b="1" i="0" u="none" strike="noStrike" kern="1200" cap="none" spc="0" normalizeH="0" baseline="0" noProof="0">
               <a:ln>
@@ -9201,7 +9159,6 @@
                 <a:ea typeface="华文中宋" charset="0"/>
                 <a:cs typeface="+mn-cs"/>
               </a:rPr>
-              <a:t>‹#›</a:t>
             </a:fld>
             <a:endParaRPr kumimoji="0" lang="en-US" altLang="zh-CN" sz="1200" b="1" i="0" u="none" strike="noStrike" kern="1200" cap="none" spc="0" normalizeH="0" baseline="0" noProof="0">
               <a:ln>
@@ -9266,6 +9223,7 @@
               <a:rPr lang="zh-CN" altLang="en-US"/>
               <a:t>单击此处编辑母版标题样式</a:t>
             </a:r>
+            <a:endParaRPr lang="zh-CN" altLang="en-US"/>
           </a:p>
         </p:txBody>
       </p:sp>
@@ -9289,6 +9247,7 @@
               <a:rPr lang="zh-CN" altLang="en-US"/>
               <a:t>编辑母版文本样式</a:t>
             </a:r>
+            <a:endParaRPr lang="zh-CN" altLang="en-US"/>
           </a:p>
           <a:p>
             <a:pPr lvl="1"/>
@@ -9296,6 +9255,7 @@
               <a:rPr lang="zh-CN" altLang="en-US"/>
               <a:t>第二级</a:t>
             </a:r>
+            <a:endParaRPr lang="zh-CN" altLang="en-US"/>
           </a:p>
           <a:p>
             <a:pPr lvl="2"/>
@@ -9303,6 +9263,7 @@
               <a:rPr lang="zh-CN" altLang="en-US"/>
               <a:t>第三级</a:t>
             </a:r>
+            <a:endParaRPr lang="zh-CN" altLang="en-US"/>
           </a:p>
           <a:p>
             <a:pPr lvl="3"/>
@@ -9310,6 +9271,7 @@
               <a:rPr lang="zh-CN" altLang="en-US"/>
               <a:t>第四级</a:t>
             </a:r>
+            <a:endParaRPr lang="zh-CN" altLang="en-US"/>
           </a:p>
           <a:p>
             <a:pPr lvl="4"/>
@@ -9317,6 +9279,7 @@
               <a:rPr lang="zh-CN" altLang="en-US"/>
               <a:t>第五级</a:t>
             </a:r>
+            <a:endParaRPr lang="zh-CN" altLang="en-US"/>
           </a:p>
         </p:txBody>
       </p:sp>
@@ -9337,7 +9300,6 @@
           <a:p>
             <a:fld id="{7FA7C40F-0D87-4C47-A7B0-B93EF7B2BEDD}" type="datetimeFigureOut">
               <a:rPr lang="zh-CN" altLang="en-US" smtClean="0"/>
-              <a:t>2019/4/4</a:t>
             </a:fld>
             <a:endParaRPr lang="zh-CN" altLang="en-US"/>
           </a:p>
@@ -9379,7 +9341,6 @@
           <a:p>
             <a:fld id="{069942B8-D311-4E7D-8579-3E51C69EB101}" type="slidenum">
               <a:rPr lang="zh-CN" altLang="en-US" smtClean="0"/>
-              <a:t>‹#›</a:t>
             </a:fld>
             <a:endParaRPr lang="zh-CN" altLang="en-US"/>
           </a:p>
@@ -9429,6 +9390,7 @@
               <a:rPr lang="zh-CN" altLang="en-US"/>
               <a:t>单击此处编辑母版标题样式</a:t>
             </a:r>
+            <a:endParaRPr lang="zh-CN" altLang="en-US"/>
           </a:p>
         </p:txBody>
       </p:sp>
@@ -9457,6 +9419,7 @@
               <a:rPr lang="zh-CN" altLang="en-US"/>
               <a:t>编辑母版文本样式</a:t>
             </a:r>
+            <a:endParaRPr lang="zh-CN" altLang="en-US"/>
           </a:p>
           <a:p>
             <a:pPr lvl="1"/>
@@ -9464,6 +9427,7 @@
               <a:rPr lang="zh-CN" altLang="en-US"/>
               <a:t>第二级</a:t>
             </a:r>
+            <a:endParaRPr lang="zh-CN" altLang="en-US"/>
           </a:p>
           <a:p>
             <a:pPr lvl="2"/>
@@ -9471,6 +9435,7 @@
               <a:rPr lang="zh-CN" altLang="en-US"/>
               <a:t>第三级</a:t>
             </a:r>
+            <a:endParaRPr lang="zh-CN" altLang="en-US"/>
           </a:p>
           <a:p>
             <a:pPr lvl="3"/>
@@ -9478,6 +9443,7 @@
               <a:rPr lang="zh-CN" altLang="en-US"/>
               <a:t>第四级</a:t>
             </a:r>
+            <a:endParaRPr lang="zh-CN" altLang="en-US"/>
           </a:p>
           <a:p>
             <a:pPr lvl="4"/>
@@ -9485,6 +9451,7 @@
               <a:rPr lang="zh-CN" altLang="en-US"/>
               <a:t>第五级</a:t>
             </a:r>
+            <a:endParaRPr lang="zh-CN" altLang="en-US"/>
           </a:p>
         </p:txBody>
       </p:sp>
@@ -9513,6 +9480,7 @@
               <a:rPr lang="zh-CN" altLang="en-US"/>
               <a:t>编辑母版文本样式</a:t>
             </a:r>
+            <a:endParaRPr lang="zh-CN" altLang="en-US"/>
           </a:p>
           <a:p>
             <a:pPr lvl="1"/>
@@ -9520,6 +9488,7 @@
               <a:rPr lang="zh-CN" altLang="en-US"/>
               <a:t>第二级</a:t>
             </a:r>
+            <a:endParaRPr lang="zh-CN" altLang="en-US"/>
           </a:p>
           <a:p>
             <a:pPr lvl="2"/>
@@ -9527,6 +9496,7 @@
               <a:rPr lang="zh-CN" altLang="en-US"/>
               <a:t>第三级</a:t>
             </a:r>
+            <a:endParaRPr lang="zh-CN" altLang="en-US"/>
           </a:p>
           <a:p>
             <a:pPr lvl="3"/>
@@ -9534,6 +9504,7 @@
               <a:rPr lang="zh-CN" altLang="en-US"/>
               <a:t>第四级</a:t>
             </a:r>
+            <a:endParaRPr lang="zh-CN" altLang="en-US"/>
           </a:p>
           <a:p>
             <a:pPr lvl="4"/>
@@ -9541,6 +9512,7 @@
               <a:rPr lang="zh-CN" altLang="en-US"/>
               <a:t>第五级</a:t>
             </a:r>
+            <a:endParaRPr lang="zh-CN" altLang="en-US"/>
           </a:p>
         </p:txBody>
       </p:sp>
@@ -9561,7 +9533,6 @@
           <a:p>
             <a:fld id="{7FA7C40F-0D87-4C47-A7B0-B93EF7B2BEDD}" type="datetimeFigureOut">
               <a:rPr lang="zh-CN" altLang="en-US" smtClean="0"/>
-              <a:t>2019/4/4</a:t>
             </a:fld>
             <a:endParaRPr lang="zh-CN" altLang="en-US"/>
           </a:p>
@@ -9603,7 +9574,6 @@
           <a:p>
             <a:fld id="{069942B8-D311-4E7D-8579-3E51C69EB101}" type="slidenum">
               <a:rPr lang="zh-CN" altLang="en-US" smtClean="0"/>
-              <a:t>‹#›</a:t>
             </a:fld>
             <a:endParaRPr lang="zh-CN" altLang="en-US"/>
           </a:p>
@@ -9682,7 +9652,6 @@
                 <a:ea typeface="华文中宋" charset="0"/>
                 <a:cs typeface="+mn-cs"/>
               </a:rPr>
-              <a:t>2019/4/4</a:t>
             </a:fld>
             <a:endParaRPr kumimoji="0" lang="zh-CN" altLang="en-US" sz="1200" b="1" i="0" u="none" strike="noStrike" kern="1200" cap="none" spc="0" normalizeH="0" baseline="0" noProof="0">
               <a:ln>
@@ -9801,7 +9770,6 @@
                 <a:ea typeface="华文中宋" charset="0"/>
                 <a:cs typeface="+mn-cs"/>
               </a:rPr>
-              <a:t>‹#›</a:t>
             </a:fld>
             <a:endParaRPr kumimoji="0" lang="en-US" altLang="zh-CN" sz="1200" b="1" i="0" u="none" strike="noStrike" kern="1200" cap="none" spc="0" normalizeH="0" baseline="0" noProof="0">
               <a:ln>
@@ -10148,7 +10116,6 @@
                 <a:ea typeface="华文中宋" charset="0"/>
                 <a:cs typeface="+mn-cs"/>
               </a:rPr>
-              <a:t>2019/4/4</a:t>
             </a:fld>
             <a:endParaRPr kumimoji="0" lang="zh-CN" altLang="en-US" sz="1200" b="1" i="0" u="none" strike="noStrike" kern="1200" cap="none" spc="0" normalizeH="0" baseline="0" noProof="0">
               <a:ln>
@@ -10267,7 +10234,6 @@
                 <a:ea typeface="华文中宋" charset="0"/>
                 <a:cs typeface="+mn-cs"/>
               </a:rPr>
-              <a:t>‹#›</a:t>
             </a:fld>
             <a:endParaRPr kumimoji="0" lang="en-US" altLang="zh-CN" sz="1200" b="1" i="0" u="none" strike="noStrike" kern="1200" cap="none" spc="0" normalizeH="0" baseline="0" noProof="0">
               <a:ln>
@@ -10406,7 +10372,6 @@
                 <a:ea typeface="华文中宋" charset="0"/>
                 <a:cs typeface="+mn-cs"/>
               </a:rPr>
-              <a:t>2019/4/4</a:t>
             </a:fld>
             <a:endParaRPr kumimoji="0" lang="zh-CN" altLang="en-US" sz="1200" b="1" i="0" u="none" strike="noStrike" kern="1200" cap="none" spc="0" normalizeH="0" baseline="0" noProof="0">
               <a:ln>
@@ -10533,7 +10498,6 @@
                 <a:ea typeface="华文中宋" charset="0"/>
                 <a:cs typeface="+mn-cs"/>
               </a:rPr>
-              <a:t>‹#›</a:t>
             </a:fld>
             <a:endParaRPr kumimoji="0" lang="en-US" altLang="zh-CN" sz="1200" b="1" i="0" u="none" strike="noStrike" kern="1200" cap="none" spc="0" normalizeH="0" baseline="0" noProof="0">
               <a:ln>
@@ -10598,6 +10562,7 @@
               <a:rPr lang="zh-CN" altLang="en-US"/>
               <a:t>单击此处编辑母版标题样式</a:t>
             </a:r>
+            <a:endParaRPr lang="zh-CN" altLang="en-US"/>
           </a:p>
         </p:txBody>
       </p:sp>
@@ -10621,6 +10586,7 @@
               <a:rPr lang="zh-CN" altLang="en-US"/>
               <a:t>编辑母版文本样式</a:t>
             </a:r>
+            <a:endParaRPr lang="zh-CN" altLang="en-US"/>
           </a:p>
           <a:p>
             <a:pPr lvl="1"/>
@@ -10628,6 +10594,7 @@
               <a:rPr lang="zh-CN" altLang="en-US"/>
               <a:t>第二级</a:t>
             </a:r>
+            <a:endParaRPr lang="zh-CN" altLang="en-US"/>
           </a:p>
           <a:p>
             <a:pPr lvl="2"/>
@@ -10635,6 +10602,7 @@
               <a:rPr lang="zh-CN" altLang="en-US"/>
               <a:t>第三级</a:t>
             </a:r>
+            <a:endParaRPr lang="zh-CN" altLang="en-US"/>
           </a:p>
           <a:p>
             <a:pPr lvl="3"/>
@@ -10642,6 +10610,7 @@
               <a:rPr lang="zh-CN" altLang="en-US"/>
               <a:t>第四级</a:t>
             </a:r>
+            <a:endParaRPr lang="zh-CN" altLang="en-US"/>
           </a:p>
           <a:p>
             <a:pPr lvl="4"/>
@@ -10649,6 +10618,7 @@
               <a:rPr lang="zh-CN" altLang="en-US"/>
               <a:t>第五级</a:t>
             </a:r>
+            <a:endParaRPr lang="zh-CN" altLang="en-US"/>
           </a:p>
         </p:txBody>
       </p:sp>
@@ -10669,7 +10639,6 @@
           <a:p>
             <a:fld id="{888C7295-6EDE-4B97-9E78-24FF95E9EBBF}" type="datetime1">
               <a:rPr lang="zh-CN" altLang="en-US" smtClean="0"/>
-              <a:t>2019/4/4</a:t>
             </a:fld>
             <a:endParaRPr lang="zh-CN" altLang="en-US"/>
           </a:p>
@@ -10711,7 +10680,6 @@
           <a:p>
             <a:fld id="{069942B8-D311-4E7D-8579-3E51C69EB101}" type="slidenum">
               <a:rPr lang="zh-CN" altLang="en-US" smtClean="0"/>
-              <a:t>‹#›</a:t>
             </a:fld>
             <a:endParaRPr lang="zh-CN" altLang="en-US"/>
           </a:p>
@@ -10761,6 +10729,7 @@
               <a:rPr lang="zh-CN" altLang="en-US"/>
               <a:t>单击此处编辑母版标题样式</a:t>
             </a:r>
+            <a:endParaRPr lang="zh-CN" altLang="en-US"/>
           </a:p>
         </p:txBody>
       </p:sp>
@@ -10789,6 +10758,7 @@
               <a:rPr lang="zh-CN" altLang="en-US"/>
               <a:t>编辑母版文本样式</a:t>
             </a:r>
+            <a:endParaRPr lang="zh-CN" altLang="en-US"/>
           </a:p>
           <a:p>
             <a:pPr lvl="1"/>
@@ -10796,6 +10766,7 @@
               <a:rPr lang="zh-CN" altLang="en-US"/>
               <a:t>第二级</a:t>
             </a:r>
+            <a:endParaRPr lang="zh-CN" altLang="en-US"/>
           </a:p>
           <a:p>
             <a:pPr lvl="2"/>
@@ -10803,6 +10774,7 @@
               <a:rPr lang="zh-CN" altLang="en-US"/>
               <a:t>第三级</a:t>
             </a:r>
+            <a:endParaRPr lang="zh-CN" altLang="en-US"/>
           </a:p>
           <a:p>
             <a:pPr lvl="3"/>
@@ -10810,6 +10782,7 @@
               <a:rPr lang="zh-CN" altLang="en-US"/>
               <a:t>第四级</a:t>
             </a:r>
+            <a:endParaRPr lang="zh-CN" altLang="en-US"/>
           </a:p>
           <a:p>
             <a:pPr lvl="4"/>
@@ -10817,6 +10790,7 @@
               <a:rPr lang="zh-CN" altLang="en-US"/>
               <a:t>第五级</a:t>
             </a:r>
+            <a:endParaRPr lang="zh-CN" altLang="en-US"/>
           </a:p>
         </p:txBody>
       </p:sp>
@@ -10845,6 +10819,7 @@
               <a:rPr lang="zh-CN" altLang="en-US"/>
               <a:t>编辑母版文本样式</a:t>
             </a:r>
+            <a:endParaRPr lang="zh-CN" altLang="en-US"/>
           </a:p>
           <a:p>
             <a:pPr lvl="1"/>
@@ -10852,6 +10827,7 @@
               <a:rPr lang="zh-CN" altLang="en-US"/>
               <a:t>第二级</a:t>
             </a:r>
+            <a:endParaRPr lang="zh-CN" altLang="en-US"/>
           </a:p>
           <a:p>
             <a:pPr lvl="2"/>
@@ -10859,6 +10835,7 @@
               <a:rPr lang="zh-CN" altLang="en-US"/>
               <a:t>第三级</a:t>
             </a:r>
+            <a:endParaRPr lang="zh-CN" altLang="en-US"/>
           </a:p>
           <a:p>
             <a:pPr lvl="3"/>
@@ -10866,6 +10843,7 @@
               <a:rPr lang="zh-CN" altLang="en-US"/>
               <a:t>第四级</a:t>
             </a:r>
+            <a:endParaRPr lang="zh-CN" altLang="en-US"/>
           </a:p>
           <a:p>
             <a:pPr lvl="4"/>
@@ -10873,6 +10851,7 @@
               <a:rPr lang="zh-CN" altLang="en-US"/>
               <a:t>第五级</a:t>
             </a:r>
+            <a:endParaRPr lang="zh-CN" altLang="en-US"/>
           </a:p>
         </p:txBody>
       </p:sp>
@@ -10893,7 +10872,6 @@
           <a:p>
             <a:fld id="{16C9B06D-B69C-41B7-B3B1-FAFF4484418F}" type="datetime1">
               <a:rPr lang="zh-CN" altLang="en-US" smtClean="0"/>
-              <a:t>2019/4/4</a:t>
             </a:fld>
             <a:endParaRPr lang="zh-CN" altLang="en-US"/>
           </a:p>
@@ -10935,7 +10913,6 @@
           <a:p>
             <a:fld id="{069942B8-D311-4E7D-8579-3E51C69EB101}" type="slidenum">
               <a:rPr lang="zh-CN" altLang="en-US" smtClean="0"/>
-              <a:t>‹#›</a:t>
             </a:fld>
             <a:endParaRPr lang="zh-CN" altLang="en-US"/>
           </a:p>
@@ -10950,7 +10927,7 @@
 </file>
 
 <file path=ppt/slideLayouts/slideLayout8.xml><?xml version="1.0" encoding="utf-8"?>
-<p:sldLayout xmlns:a="http://schemas.openxmlformats.org/drawingml/2006/main" xmlns:r="http://schemas.openxmlformats.org/officeDocument/2006/relationships" xmlns:p="http://schemas.openxmlformats.org/presentationml/2006/main" showMasterSp="0" type="title" preserve="1">
+<p:sldLayout xmlns:a="http://schemas.openxmlformats.org/drawingml/2006/main" xmlns:r="http://schemas.openxmlformats.org/officeDocument/2006/relationships" xmlns:p="http://schemas.openxmlformats.org/presentationml/2006/main" type="title" preserve="1" showMasterSp="0">
   <p:cSld name="标题幻灯片">
     <p:spTree>
       <p:nvGrpSpPr>
@@ -11095,7 +11072,6 @@
             </a:pPr>
             <a:fld id="{CE606C58-E264-43AC-976F-86492C46AE4A}" type="datetime1">
               <a:rPr lang="zh-CN" altLang="en-US" smtClean="0"/>
-              <a:t>2019/4/4</a:t>
             </a:fld>
             <a:endParaRPr lang="zh-CN" altLang="en-US"/>
           </a:p>
@@ -11153,7 +11129,6 @@
             </a:pPr>
             <a:fld id="{1EEFA0CC-5EC4-434D-81B4-71F8B15E9103}" type="slidenum">
               <a:rPr lang="zh-CN" altLang="en-US" smtClean="0"/>
-              <a:t>‹#›</a:t>
             </a:fld>
             <a:endParaRPr lang="zh-CN" altLang="en-US" dirty="0"/>
           </a:p>
@@ -11411,7 +11386,6 @@
             </a:pPr>
             <a:fld id="{186CD752-E97E-448D-B748-32DD1A79B5F2}" type="slidenum">
               <a:rPr lang="zh-CN" altLang="en-US" smtClean="0"/>
-              <a:t>‹#›</a:t>
             </a:fld>
             <a:endParaRPr lang="zh-CN" altLang="en-US" dirty="0"/>
           </a:p>
@@ -11442,6 +11416,7 @@
               <a:rPr lang="zh-CN" altLang="en-US"/>
               <a:t>单击此处编辑母版文本样式</a:t>
             </a:r>
+            <a:endParaRPr lang="zh-CN" altLang="en-US"/>
           </a:p>
           <a:p>
             <a:pPr lvl="1" eaLnBrk="1" latinLnBrk="0" hangingPunct="1"/>
@@ -11449,6 +11424,7 @@
               <a:rPr lang="zh-CN" altLang="en-US"/>
               <a:t>第二级</a:t>
             </a:r>
+            <a:endParaRPr lang="zh-CN" altLang="en-US"/>
           </a:p>
           <a:p>
             <a:pPr lvl="2" eaLnBrk="1" latinLnBrk="0" hangingPunct="1"/>
@@ -11456,6 +11432,7 @@
               <a:rPr lang="zh-CN" altLang="en-US"/>
               <a:t>第三级</a:t>
             </a:r>
+            <a:endParaRPr lang="zh-CN" altLang="en-US"/>
           </a:p>
           <a:p>
             <a:pPr lvl="3" eaLnBrk="1" latinLnBrk="0" hangingPunct="1"/>
@@ -11463,6 +11440,7 @@
               <a:rPr lang="zh-CN" altLang="en-US"/>
               <a:t>第四级</a:t>
             </a:r>
+            <a:endParaRPr lang="zh-CN" altLang="en-US"/>
           </a:p>
           <a:p>
             <a:pPr lvl="4" eaLnBrk="1" latinLnBrk="0" hangingPunct="1"/>
@@ -11567,6 +11545,7 @@
               <a:rPr lang="zh-CN" altLang="en-US"/>
               <a:t>编辑母版文本样式</a:t>
             </a:r>
+            <a:endParaRPr lang="zh-CN" altLang="en-US"/>
           </a:p>
           <a:p>
             <a:pPr lvl="1"/>
@@ -11574,6 +11553,7 @@
               <a:rPr lang="zh-CN" altLang="en-US"/>
               <a:t>第二级</a:t>
             </a:r>
+            <a:endParaRPr lang="zh-CN" altLang="en-US"/>
           </a:p>
           <a:p>
             <a:pPr lvl="2"/>
@@ -11581,6 +11561,7 @@
               <a:rPr lang="zh-CN" altLang="en-US"/>
               <a:t>第三级</a:t>
             </a:r>
+            <a:endParaRPr lang="zh-CN" altLang="en-US"/>
           </a:p>
           <a:p>
             <a:pPr lvl="3"/>
@@ -11588,6 +11569,7 @@
               <a:rPr lang="zh-CN" altLang="en-US"/>
               <a:t>第四级</a:t>
             </a:r>
+            <a:endParaRPr lang="zh-CN" altLang="en-US"/>
           </a:p>
           <a:p>
             <a:pPr lvl="4"/>
@@ -11665,7 +11647,6 @@
                 <a:ea typeface="华文中宋" charset="0"/>
                 <a:cs typeface="+mn-cs"/>
               </a:rPr>
-              <a:t>2019/4/4</a:t>
             </a:fld>
             <a:endParaRPr kumimoji="0" lang="zh-CN" altLang="en-US" sz="1200" b="1" i="0" u="none" strike="noStrike" kern="1200" cap="none" spc="0" normalizeH="0" baseline="0" noProof="0">
               <a:ln>
@@ -11820,7 +11801,6 @@
                 <a:ea typeface="华文中宋" charset="0"/>
                 <a:cs typeface="+mn-cs"/>
               </a:rPr>
-              <a:t>‹#›</a:t>
             </a:fld>
             <a:endParaRPr kumimoji="0" lang="en-US" altLang="zh-CN" sz="1200" b="1" i="0" u="none" strike="noStrike" kern="1200" cap="none" spc="0" normalizeH="0" baseline="0" noProof="0">
               <a:ln>
@@ -12222,6 +12202,7 @@
               <a:rPr kumimoji="0" lang="zh-CN" altLang="en-US"/>
               <a:t>单击此处编辑母版文本样式</a:t>
             </a:r>
+            <a:endParaRPr kumimoji="0" lang="zh-CN" altLang="en-US"/>
           </a:p>
           <a:p>
             <a:pPr lvl="1" eaLnBrk="1" latinLnBrk="0" hangingPunct="1"/>
@@ -12229,6 +12210,7 @@
               <a:rPr kumimoji="0" lang="zh-CN" altLang="en-US"/>
               <a:t>第二级</a:t>
             </a:r>
+            <a:endParaRPr kumimoji="0" lang="zh-CN" altLang="en-US"/>
           </a:p>
           <a:p>
             <a:pPr lvl="2" eaLnBrk="1" latinLnBrk="0" hangingPunct="1"/>
@@ -12236,6 +12218,7 @@
               <a:rPr kumimoji="0" lang="zh-CN" altLang="en-US"/>
               <a:t>第三级</a:t>
             </a:r>
+            <a:endParaRPr kumimoji="0" lang="zh-CN" altLang="en-US"/>
           </a:p>
           <a:p>
             <a:pPr lvl="3" eaLnBrk="1" latinLnBrk="0" hangingPunct="1"/>
@@ -12243,6 +12226,7 @@
               <a:rPr kumimoji="0" lang="zh-CN" altLang="en-US"/>
               <a:t>第四级</a:t>
             </a:r>
+            <a:endParaRPr kumimoji="0" lang="zh-CN" altLang="en-US"/>
           </a:p>
           <a:p>
             <a:pPr lvl="4" eaLnBrk="1" latinLnBrk="0" hangingPunct="1"/>
@@ -12290,7 +12274,6 @@
             </a:pPr>
             <a:fld id="{3CD20000-20E1-4E21-B031-E4CB5160CC5B}" type="datetime1">
               <a:rPr lang="zh-CN" altLang="en-US" smtClean="0"/>
-              <a:t>2019/4/4</a:t>
             </a:fld>
             <a:endParaRPr lang="zh-CN" altLang="en-US"/>
           </a:p>
@@ -12370,7 +12353,6 @@
             </a:pPr>
             <a:fld id="{51FD954E-C6E5-46D9-8AB1-C4D485CE53C4}" type="slidenum">
               <a:rPr lang="zh-CN" altLang="en-US" smtClean="0"/>
-              <a:t>‹#›</a:t>
             </a:fld>
             <a:endParaRPr lang="zh-CN" altLang="en-US"/>
           </a:p>
@@ -12900,6 +12882,7 @@
               <a:rPr lang="zh-CN" altLang="en-US"/>
               <a:t>编辑母版文本样式</a:t>
             </a:r>
+            <a:endParaRPr lang="zh-CN" altLang="en-US"/>
           </a:p>
           <a:p>
             <a:pPr lvl="1"/>
@@ -12907,6 +12890,7 @@
               <a:rPr lang="zh-CN" altLang="en-US"/>
               <a:t>第二级</a:t>
             </a:r>
+            <a:endParaRPr lang="zh-CN" altLang="en-US"/>
           </a:p>
           <a:p>
             <a:pPr lvl="2"/>
@@ -12914,6 +12898,7 @@
               <a:rPr lang="zh-CN" altLang="en-US"/>
               <a:t>第三级</a:t>
             </a:r>
+            <a:endParaRPr lang="zh-CN" altLang="en-US"/>
           </a:p>
           <a:p>
             <a:pPr lvl="3"/>
@@ -12921,6 +12906,7 @@
               <a:rPr lang="zh-CN" altLang="en-US"/>
               <a:t>第四级</a:t>
             </a:r>
+            <a:endParaRPr lang="zh-CN" altLang="en-US"/>
           </a:p>
           <a:p>
             <a:pPr lvl="4"/>
@@ -12998,7 +12984,6 @@
                 <a:ea typeface="华文中宋" charset="0"/>
                 <a:cs typeface="+mn-cs"/>
               </a:rPr>
-              <a:t>2019/4/4</a:t>
             </a:fld>
             <a:endParaRPr kumimoji="0" lang="zh-CN" altLang="en-US" sz="1200" b="1" i="0" u="none" strike="noStrike" kern="1200" cap="none" spc="0" normalizeH="0" baseline="0" noProof="0">
               <a:ln>
@@ -13153,7 +13138,6 @@
                 <a:ea typeface="华文中宋" charset="0"/>
                 <a:cs typeface="+mn-cs"/>
               </a:rPr>
-              <a:t>‹#›</a:t>
             </a:fld>
             <a:endParaRPr kumimoji="0" lang="en-US" altLang="zh-CN" sz="1200" b="1" i="0" u="none" strike="noStrike" kern="1200" cap="none" spc="0" normalizeH="0" baseline="0" noProof="0">
               <a:ln>
@@ -13519,6 +13503,13 @@
               </a:rPr>
               <a:t>深度森林</a:t>
             </a:r>
+            <a:endParaRPr lang="zh-CN" altLang="en-US" sz="5400" dirty="0">
+              <a:solidFill>
+                <a:srgbClr val="0070C0"/>
+              </a:solidFill>
+              <a:latin typeface="+mn-ea"/>
+              <a:ea typeface="+mn-ea"/>
+            </a:endParaRPr>
           </a:p>
         </p:txBody>
       </p:sp>
@@ -13553,7 +13544,7 @@
                 <a:latin typeface="+mn-ea"/>
                 <a:ea typeface="+mn-ea"/>
               </a:rPr>
-              <a:t>徐俊刚  </a:t>
+              <a:t>李航航  </a:t>
             </a:r>
             <a:endParaRPr lang="en-US" altLang="zh-CN" sz="3600" dirty="0">
               <a:solidFill>
@@ -13574,7 +13565,7 @@
           <p:nvPr/>
         </p:nvPicPr>
         <p:blipFill>
-          <a:blip r:embed="rId3" cstate="print"/>
+          <a:blip r:embed="rId1" cstate="print"/>
           <a:srcRect/>
           <a:stretch>
             <a:fillRect/>
@@ -13632,6 +13623,15 @@
               </a:rPr>
               <a:t>其它深度模型</a:t>
             </a:r>
+            <a:endParaRPr lang="zh-CN" altLang="en-US" sz="8000" b="0" cap="none" spc="0" dirty="0">
+              <a:ln w="0"/>
+              <a:solidFill>
+                <a:srgbClr val="FF0000"/>
+              </a:solidFill>
+              <a:effectLst>
+                <a:reflection blurRad="6350" stA="53000" endA="300" endPos="35500" dir="5400000" sy="-90000" algn="bl" rotWithShape="0"/>
+              </a:effectLst>
+            </a:endParaRPr>
           </a:p>
         </p:txBody>
       </p:sp>
@@ -14539,13 +14539,13 @@
   <p:clrMapOvr>
     <a:masterClrMapping/>
   </p:clrMapOvr>
-  <mc:AlternateContent xmlns:mc="http://schemas.openxmlformats.org/markup-compatibility/2006" xmlns:p14="http://schemas.microsoft.com/office/powerpoint/2010/main">
-    <mc:Choice Requires="p14">
+  <mc:AlternateContent xmlns:mc="http://schemas.openxmlformats.org/markup-compatibility/2006">
+    <mc:Choice xmlns:p14="http://schemas.microsoft.com/office/powerpoint/2010/main" Requires="p14">
       <p:transition p14:dur="100">
         <p:cut/>
       </p:transition>
     </mc:Choice>
-    <mc:Fallback xmlns="">
+    <mc:Fallback>
       <p:transition>
         <p:cut/>
       </p:transition>
@@ -14595,6 +14595,7 @@
               <a:rPr lang="zh-CN" altLang="en-US" dirty="0"/>
               <a:t>多粒度级联森林</a:t>
             </a:r>
+            <a:endParaRPr lang="zh-CN" altLang="en-US" dirty="0"/>
           </a:p>
         </p:txBody>
       </p:sp>
@@ -14646,7 +14647,6 @@
                 <a:ea typeface="华文中宋" charset="0"/>
                 <a:cs typeface="+mn-cs"/>
               </a:rPr>
-              <a:t>11</a:t>
             </a:fld>
             <a:endParaRPr kumimoji="0" lang="en-US" altLang="zh-CN" sz="1200" b="1" i="0" u="none" strike="noStrike" kern="1200" cap="none" spc="0" normalizeH="0" baseline="0" noProof="0">
               <a:ln>
@@ -14713,25 +14713,22 @@
               </a:rPr>
               <a:t>（muti-Grained Cascade Forest，多粒度级联森林），它是基于树的集成方法，通过对树组成的森林来集成并前后串联起来达到表征学习的效果。</a:t>
             </a:r>
+            <a:endParaRPr lang="zh-CN" altLang="en-US" sz="2600" dirty="0">
+              <a:latin typeface="+mn-ea"/>
+            </a:endParaRPr>
           </a:p>
         </p:txBody>
       </p:sp>
       <p:pic>
         <p:nvPicPr>
-          <p:cNvPr id="6" name="图片 5">
-            <a:extLst>
-              <a:ext uri="{FF2B5EF4-FFF2-40B4-BE49-F238E27FC236}">
-                <a16:creationId xmlns:a16="http://schemas.microsoft.com/office/drawing/2014/main" id="{155FE479-7A7E-45D2-A78D-CAFBC275BAC4}"/>
-              </a:ext>
-            </a:extLst>
-          </p:cNvPr>
+          <p:cNvPr id="6" name="图片 5"/>
           <p:cNvPicPr>
             <a:picLocks noChangeAspect="1"/>
           </p:cNvPicPr>
           <p:nvPr/>
         </p:nvPicPr>
         <p:blipFill>
-          <a:blip r:embed="rId3"/>
+          <a:blip r:embed="rId1"/>
           <a:stretch>
             <a:fillRect/>
           </a:stretch>
@@ -14747,11 +14744,6 @@
         </p:spPr>
       </p:pic>
     </p:spTree>
-    <p:extLst>
-      <p:ext uri="{BB962C8B-B14F-4D97-AF65-F5344CB8AC3E}">
-        <p14:creationId xmlns:p14="http://schemas.microsoft.com/office/powerpoint/2010/main" val="1106080239"/>
-      </p:ext>
-    </p:extLst>
   </p:cSld>
   <p:clrMapOvr>
     <a:masterClrMapping/>
@@ -14800,6 +14792,7 @@
               <a:rPr lang="zh-CN" altLang="en-US" dirty="0"/>
               <a:t>多粒度级联森林</a:t>
             </a:r>
+            <a:endParaRPr lang="zh-CN" altLang="en-US" dirty="0"/>
           </a:p>
         </p:txBody>
       </p:sp>
@@ -14851,7 +14844,6 @@
                 <a:ea typeface="华文中宋" charset="0"/>
                 <a:cs typeface="+mn-cs"/>
               </a:rPr>
-              <a:t>12</a:t>
             </a:fld>
             <a:endParaRPr kumimoji="0" lang="en-US" altLang="zh-CN" sz="1200" b="1" i="0" u="none" strike="noStrike" kern="1200" cap="none" spc="0" normalizeH="0" baseline="0" noProof="0">
               <a:ln>
@@ -14918,25 +14910,22 @@
               </a:rPr>
               <a:t>每个森林的类分布向量生成流程：</a:t>
             </a:r>
+            <a:endParaRPr lang="zh-CN" altLang="en-US" sz="2600" dirty="0">
+              <a:latin typeface="+mn-ea"/>
+            </a:endParaRPr>
           </a:p>
         </p:txBody>
       </p:sp>
       <p:pic>
         <p:nvPicPr>
-          <p:cNvPr id="12" name="图片 11">
-            <a:extLst>
-              <a:ext uri="{FF2B5EF4-FFF2-40B4-BE49-F238E27FC236}">
-                <a16:creationId xmlns:a16="http://schemas.microsoft.com/office/drawing/2014/main" id="{BA9C70AC-B92F-456F-BF13-155E7A00B098}"/>
-              </a:ext>
-            </a:extLst>
-          </p:cNvPr>
+          <p:cNvPr id="12" name="图片 11"/>
           <p:cNvPicPr>
             <a:picLocks noChangeAspect="1"/>
           </p:cNvPicPr>
           <p:nvPr/>
         </p:nvPicPr>
         <p:blipFill>
-          <a:blip r:embed="rId3"/>
+          <a:blip r:embed="rId1"/>
           <a:stretch>
             <a:fillRect/>
           </a:stretch>
@@ -15000,6 +14989,7 @@
               <a:rPr lang="zh-CN" altLang="en-US" dirty="0"/>
               <a:t>多粒度级联森林</a:t>
             </a:r>
+            <a:endParaRPr lang="zh-CN" altLang="en-US" dirty="0"/>
           </a:p>
         </p:txBody>
       </p:sp>
@@ -15051,7 +15041,6 @@
                 <a:ea typeface="华文中宋" charset="0"/>
                 <a:cs typeface="+mn-cs"/>
               </a:rPr>
-              <a:t>13</a:t>
             </a:fld>
             <a:endParaRPr kumimoji="0" lang="en-US" altLang="zh-CN" sz="1200" b="1" i="0" u="none" strike="noStrike" kern="1200" cap="none" spc="0" normalizeH="0" baseline="0" noProof="0">
               <a:ln>
@@ -15118,25 +15107,22 @@
               </a:rPr>
               <a:t>的多粒度扫描：</a:t>
             </a:r>
+            <a:endParaRPr lang="zh-CN" altLang="en-US" sz="2600" dirty="0">
+              <a:latin typeface="+mn-ea"/>
+            </a:endParaRPr>
           </a:p>
         </p:txBody>
       </p:sp>
       <p:pic>
         <p:nvPicPr>
-          <p:cNvPr id="3" name="图片 2">
-            <a:extLst>
-              <a:ext uri="{FF2B5EF4-FFF2-40B4-BE49-F238E27FC236}">
-                <a16:creationId xmlns:a16="http://schemas.microsoft.com/office/drawing/2014/main" id="{78F05E1F-35B6-4C30-B76A-3A0B985D20D2}"/>
-              </a:ext>
-            </a:extLst>
-          </p:cNvPr>
+          <p:cNvPr id="3" name="图片 2"/>
           <p:cNvPicPr>
             <a:picLocks noChangeAspect="1"/>
           </p:cNvPicPr>
           <p:nvPr/>
         </p:nvPicPr>
         <p:blipFill>
-          <a:blip r:embed="rId3"/>
+          <a:blip r:embed="rId1"/>
           <a:stretch>
             <a:fillRect/>
           </a:stretch>
@@ -15152,11 +15138,6 @@
         </p:spPr>
       </p:pic>
     </p:spTree>
-    <p:extLst>
-      <p:ext uri="{BB962C8B-B14F-4D97-AF65-F5344CB8AC3E}">
-        <p14:creationId xmlns:p14="http://schemas.microsoft.com/office/powerpoint/2010/main" val="3228997616"/>
-      </p:ext>
-    </p:extLst>
   </p:cSld>
   <p:clrMapOvr>
     <a:masterClrMapping/>
@@ -15205,6 +15186,7 @@
               <a:rPr lang="zh-CN" altLang="en-US" dirty="0"/>
               <a:t>多粒度级联森林</a:t>
             </a:r>
+            <a:endParaRPr lang="zh-CN" altLang="en-US" dirty="0"/>
           </a:p>
         </p:txBody>
       </p:sp>
@@ -15256,7 +15238,6 @@
                 <a:ea typeface="华文中宋" charset="0"/>
                 <a:cs typeface="+mn-cs"/>
               </a:rPr>
-              <a:t>14</a:t>
             </a:fld>
             <a:endParaRPr kumimoji="0" lang="en-US" altLang="zh-CN" sz="1200" b="1" i="0" u="none" strike="noStrike" kern="1200" cap="none" spc="0" normalizeH="0" baseline="0" noProof="0">
               <a:ln>
@@ -15323,18 +15304,15 @@
               </a:rPr>
               <a:t>的多粒度扫描：</a:t>
             </a:r>
-          </a:p>
-        </p:txBody>
-      </p:sp>
-      <p:sp>
-        <p:nvSpPr>
-          <p:cNvPr id="4" name="矩形 3">
-            <a:extLst>
-              <a:ext uri="{FF2B5EF4-FFF2-40B4-BE49-F238E27FC236}">
-                <a16:creationId xmlns:a16="http://schemas.microsoft.com/office/drawing/2014/main" id="{BDF3CA4B-2A4C-474E-B580-E541D7931DB7}"/>
-              </a:ext>
-            </a:extLst>
-          </p:cNvPr>
+            <a:endParaRPr lang="zh-CN" altLang="en-US" sz="2600" dirty="0">
+              <a:latin typeface="+mn-ea"/>
+            </a:endParaRPr>
+          </a:p>
+        </p:txBody>
+      </p:sp>
+      <p:sp>
+        <p:nvSpPr>
+          <p:cNvPr id="4" name="矩形 3"/>
           <p:cNvSpPr/>
           <p:nvPr/>
         </p:nvSpPr>
@@ -15424,15 +15402,13 @@
               </a:rPr>
               <a:t>再把生成的两个森林生成对应的相同维度的“类向量”，最后把这两大类向量连接在一起，综上，就是通过某段原始特征生成部分深度森林的想法，但应对的一般来说会采用多个不同大小的窗口做扫描。 </a:t>
             </a:r>
+            <a:endParaRPr lang="zh-CN" altLang="zh-CN" sz="2600" dirty="0">
+              <a:latin typeface="+mn-ea"/>
+            </a:endParaRPr>
           </a:p>
         </p:txBody>
       </p:sp>
     </p:spTree>
-    <p:extLst>
-      <p:ext uri="{BB962C8B-B14F-4D97-AF65-F5344CB8AC3E}">
-        <p14:creationId xmlns:p14="http://schemas.microsoft.com/office/powerpoint/2010/main" val="3899069296"/>
-      </p:ext>
-    </p:extLst>
   </p:cSld>
   <p:clrMapOvr>
     <a:masterClrMapping/>
@@ -15481,6 +15457,7 @@
               <a:rPr lang="zh-CN" altLang="en-US" dirty="0"/>
               <a:t>基于森林的自编码器</a:t>
             </a:r>
+            <a:endParaRPr lang="zh-CN" altLang="en-US" dirty="0"/>
           </a:p>
         </p:txBody>
       </p:sp>
@@ -15532,7 +15509,6 @@
                 <a:ea typeface="华文中宋" charset="0"/>
                 <a:cs typeface="+mn-cs"/>
               </a:rPr>
-              <a:t>15</a:t>
             </a:fld>
             <a:endParaRPr kumimoji="0" lang="en-US" altLang="zh-CN" sz="1200" b="1" i="0" u="none" strike="noStrike" kern="1200" cap="none" spc="0" normalizeH="0" baseline="0" noProof="0">
               <a:ln>
@@ -15555,13 +15531,7 @@
       </p:sp>
       <p:sp>
         <p:nvSpPr>
-          <p:cNvPr id="3" name="矩形 2">
-            <a:extLst>
-              <a:ext uri="{FF2B5EF4-FFF2-40B4-BE49-F238E27FC236}">
-                <a16:creationId xmlns:a16="http://schemas.microsoft.com/office/drawing/2014/main" id="{18CD0F21-82EC-4180-AF76-FC87FF926AC6}"/>
-              </a:ext>
-            </a:extLst>
-          </p:cNvPr>
+          <p:cNvPr id="3" name="矩形 2"/>
           <p:cNvSpPr/>
           <p:nvPr/>
         </p:nvSpPr>
@@ -15644,18 +15614,13 @@
               <a:rPr lang="zh-CN" altLang="en-US" sz="2400" dirty="0"/>
               <a:t>将隐空间的表示重构为原表示。</a:t>
             </a:r>
-          </a:p>
-        </p:txBody>
-      </p:sp>
-      <p:sp>
-        <p:nvSpPr>
-          <p:cNvPr id="5" name="矩形 4">
-            <a:extLst>
-              <a:ext uri="{FF2B5EF4-FFF2-40B4-BE49-F238E27FC236}">
-                <a16:creationId xmlns:a16="http://schemas.microsoft.com/office/drawing/2014/main" id="{BE7E70BC-FB51-4923-BAF5-D30D15CC65D0}"/>
-              </a:ext>
-            </a:extLst>
-          </p:cNvPr>
+            <a:endParaRPr lang="zh-CN" altLang="en-US" sz="2400" dirty="0"/>
+          </a:p>
+        </p:txBody>
+      </p:sp>
+      <p:sp>
+        <p:nvSpPr>
+          <p:cNvPr id="5" name="矩形 4"/>
           <p:cNvSpPr/>
           <p:nvPr/>
         </p:nvSpPr>
@@ -15738,6 +15703,7 @@
               <a:rPr lang="zh-CN" altLang="en-US" sz="2400" dirty="0"/>
               <a:t>来进行后向重建。利用决策树集成算法进行向前编码和向后解码的操作。</a:t>
             </a:r>
+            <a:endParaRPr lang="zh-CN" altLang="en-US" sz="2400" dirty="0"/>
           </a:p>
         </p:txBody>
       </p:sp>
@@ -15790,6 +15756,7 @@
               <a:rPr lang="zh-CN" altLang="en-US" dirty="0"/>
               <a:t>基于森林的自编码器</a:t>
             </a:r>
+            <a:endParaRPr lang="zh-CN" altLang="en-US" dirty="0"/>
           </a:p>
         </p:txBody>
       </p:sp>
@@ -15841,7 +15808,6 @@
                 <a:ea typeface="华文中宋" charset="0"/>
                 <a:cs typeface="+mn-cs"/>
               </a:rPr>
-              <a:t>16</a:t>
             </a:fld>
             <a:endParaRPr kumimoji="0" lang="en-US" altLang="zh-CN" sz="1200" b="1" i="0" u="none" strike="noStrike" kern="1200" cap="none" spc="0" normalizeH="0" baseline="0" noProof="0" dirty="0">
               <a:ln>
@@ -15864,20 +15830,14 @@
       </p:sp>
       <p:pic>
         <p:nvPicPr>
-          <p:cNvPr id="4" name="图片 3">
-            <a:extLst>
-              <a:ext uri="{FF2B5EF4-FFF2-40B4-BE49-F238E27FC236}">
-                <a16:creationId xmlns:a16="http://schemas.microsoft.com/office/drawing/2014/main" id="{003EE7B5-3A5C-4851-BE9F-01823E93D495}"/>
-              </a:ext>
-            </a:extLst>
-          </p:cNvPr>
+          <p:cNvPr id="4" name="图片 3"/>
           <p:cNvPicPr>
             <a:picLocks noChangeAspect="1"/>
           </p:cNvPicPr>
           <p:nvPr/>
         </p:nvPicPr>
         <p:blipFill>
-          <a:blip r:embed="rId3"/>
+          <a:blip r:embed="rId1"/>
           <a:stretch>
             <a:fillRect/>
           </a:stretch>
@@ -15894,13 +15854,7 @@
       </p:pic>
       <p:sp>
         <p:nvSpPr>
-          <p:cNvPr id="6" name="文本框 5">
-            <a:extLst>
-              <a:ext uri="{FF2B5EF4-FFF2-40B4-BE49-F238E27FC236}">
-                <a16:creationId xmlns:a16="http://schemas.microsoft.com/office/drawing/2014/main" id="{A299A63D-3CBF-4600-A2CD-3BD54B41D03E}"/>
-              </a:ext>
-            </a:extLst>
-          </p:cNvPr>
+          <p:cNvPr id="6" name="文本框 5"/>
           <p:cNvSpPr txBox="1"/>
           <p:nvPr/>
         </p:nvSpPr>
@@ -16013,13 +15967,7 @@
       </p:sp>
       <p:sp>
         <p:nvSpPr>
-          <p:cNvPr id="8" name="矩形 7">
-            <a:extLst>
-              <a:ext uri="{FF2B5EF4-FFF2-40B4-BE49-F238E27FC236}">
-                <a16:creationId xmlns:a16="http://schemas.microsoft.com/office/drawing/2014/main" id="{8494AFE6-56C5-409B-8059-160FB6AD2DA5}"/>
-              </a:ext>
-            </a:extLst>
-          </p:cNvPr>
+          <p:cNvPr id="8" name="矩形 7"/>
           <p:cNvSpPr/>
           <p:nvPr/>
         </p:nvSpPr>
@@ -16070,11 +16018,6 @@
         </p:txBody>
       </p:sp>
     </p:spTree>
-    <p:extLst>
-      <p:ext uri="{BB962C8B-B14F-4D97-AF65-F5344CB8AC3E}">
-        <p14:creationId xmlns:p14="http://schemas.microsoft.com/office/powerpoint/2010/main" val="67932268"/>
-      </p:ext>
-    </p:extLst>
   </p:cSld>
   <p:clrMapOvr>
     <a:masterClrMapping/>
@@ -16123,6 +16066,7 @@
               <a:rPr lang="zh-CN" altLang="en-US" dirty="0"/>
               <a:t>基于森林的自编码器</a:t>
             </a:r>
+            <a:endParaRPr lang="zh-CN" altLang="en-US" dirty="0"/>
           </a:p>
         </p:txBody>
       </p:sp>
@@ -16174,7 +16118,6 @@
                 <a:ea typeface="华文中宋" charset="0"/>
                 <a:cs typeface="+mn-cs"/>
               </a:rPr>
-              <a:t>17</a:t>
             </a:fld>
             <a:endParaRPr kumimoji="0" lang="en-US" altLang="zh-CN" sz="1200" b="1" i="0" u="none" strike="noStrike" kern="1200" cap="none" spc="0" normalizeH="0" baseline="0" noProof="0">
               <a:ln>
@@ -16197,13 +16140,7 @@
       </p:sp>
       <p:sp>
         <p:nvSpPr>
-          <p:cNvPr id="6" name="文本框 5">
-            <a:extLst>
-              <a:ext uri="{FF2B5EF4-FFF2-40B4-BE49-F238E27FC236}">
-                <a16:creationId xmlns:a16="http://schemas.microsoft.com/office/drawing/2014/main" id="{A299A63D-3CBF-4600-A2CD-3BD54B41D03E}"/>
-              </a:ext>
-            </a:extLst>
-          </p:cNvPr>
+          <p:cNvPr id="6" name="文本框 5"/>
           <p:cNvSpPr txBox="1"/>
           <p:nvPr/>
         </p:nvSpPr>
@@ -16322,20 +16259,14 @@
       </p:sp>
       <p:pic>
         <p:nvPicPr>
-          <p:cNvPr id="8" name="图片 7">
-            <a:extLst>
-              <a:ext uri="{FF2B5EF4-FFF2-40B4-BE49-F238E27FC236}">
-                <a16:creationId xmlns:a16="http://schemas.microsoft.com/office/drawing/2014/main" id="{6E266D1A-28E0-4DBA-8641-DC14FA9A0872}"/>
-              </a:ext>
-            </a:extLst>
-          </p:cNvPr>
+          <p:cNvPr id="8" name="图片 7"/>
           <p:cNvPicPr>
             <a:picLocks noChangeAspect="1"/>
           </p:cNvPicPr>
           <p:nvPr/>
         </p:nvPicPr>
         <p:blipFill>
-          <a:blip r:embed="rId3"/>
+          <a:blip r:embed="rId1"/>
           <a:stretch>
             <a:fillRect/>
           </a:stretch>
@@ -16351,11 +16282,6 @@
         </p:spPr>
       </p:pic>
     </p:spTree>
-    <p:extLst>
-      <p:ext uri="{BB962C8B-B14F-4D97-AF65-F5344CB8AC3E}">
-        <p14:creationId xmlns:p14="http://schemas.microsoft.com/office/powerpoint/2010/main" val="3134651815"/>
-      </p:ext>
-    </p:extLst>
   </p:cSld>
   <p:clrMapOvr>
     <a:masterClrMapping/>
@@ -16404,6 +16330,7 @@
               <a:rPr lang="zh-CN" altLang="en-US" dirty="0"/>
               <a:t>基于森林的自编码器</a:t>
             </a:r>
+            <a:endParaRPr lang="zh-CN" altLang="en-US" dirty="0"/>
           </a:p>
         </p:txBody>
       </p:sp>
@@ -16455,7 +16382,6 @@
                 <a:ea typeface="华文中宋" charset="0"/>
                 <a:cs typeface="+mn-cs"/>
               </a:rPr>
-              <a:t>18</a:t>
             </a:fld>
             <a:endParaRPr kumimoji="0" lang="en-US" altLang="zh-CN" sz="1200" b="1" i="0" u="none" strike="noStrike" kern="1200" cap="none" spc="0" normalizeH="0" baseline="0" noProof="0">
               <a:ln>
@@ -16478,13 +16404,7 @@
       </p:sp>
       <p:sp>
         <p:nvSpPr>
-          <p:cNvPr id="5" name="矩形 4">
-            <a:extLst>
-              <a:ext uri="{FF2B5EF4-FFF2-40B4-BE49-F238E27FC236}">
-                <a16:creationId xmlns:a16="http://schemas.microsoft.com/office/drawing/2014/main" id="{BE7E70BC-FB51-4923-BAF5-D30D15CC65D0}"/>
-              </a:ext>
-            </a:extLst>
-          </p:cNvPr>
+          <p:cNvPr id="5" name="矩形 4"/>
           <p:cNvSpPr/>
           <p:nvPr/>
         </p:nvSpPr>
@@ -16654,11 +16574,6 @@
         </p:txBody>
       </p:sp>
     </p:spTree>
-    <p:extLst>
-      <p:ext uri="{BB962C8B-B14F-4D97-AF65-F5344CB8AC3E}">
-        <p14:creationId xmlns:p14="http://schemas.microsoft.com/office/powerpoint/2010/main" val="1352676625"/>
-      </p:ext>
-    </p:extLst>
   </p:cSld>
   <p:clrMapOvr>
     <a:masterClrMapping/>
@@ -16715,6 +16630,7 @@
               <a:rPr lang="zh-CN" dirty="0"/>
               <a:t>决策树</a:t>
             </a:r>
+            <a:endParaRPr lang="zh-CN" dirty="0"/>
           </a:p>
         </p:txBody>
       </p:sp>
@@ -16766,7 +16682,6 @@
                 <a:ea typeface="华文中宋" charset="0"/>
                 <a:cs typeface="+mn-cs"/>
               </a:rPr>
-              <a:t>19</a:t>
             </a:fld>
             <a:endParaRPr kumimoji="0" lang="en-US" altLang="zh-CN" sz="1200" b="1" i="0" u="none" strike="noStrike" kern="1200" cap="none" spc="0" normalizeH="0" baseline="0" noProof="0">
               <a:ln>
@@ -16789,13 +16704,7 @@
       </p:sp>
       <p:sp>
         <p:nvSpPr>
-          <p:cNvPr id="3" name="矩形 2">
-            <a:extLst>
-              <a:ext uri="{FF2B5EF4-FFF2-40B4-BE49-F238E27FC236}">
-                <a16:creationId xmlns:a16="http://schemas.microsoft.com/office/drawing/2014/main" id="{CECBE05F-55B1-4839-9936-0B9AD64AA1C9}"/>
-              </a:ext>
-            </a:extLst>
-          </p:cNvPr>
+          <p:cNvPr id="3" name="矩形 2"/>
           <p:cNvSpPr/>
           <p:nvPr/>
         </p:nvSpPr>
@@ -16823,28 +16732,28 @@
                 <a:solidFill>
                   <a:schemeClr val="accent2"/>
                 </a:solidFill>
-                <a:ea typeface="宋体" panose="02010600030101010101" pitchFamily="2" charset="-122"/>
+                <a:ea typeface="宋体" pitchFamily="2" charset="-122"/>
                 <a:cs typeface="Times New Roman" panose="02020603050405020304" pitchFamily="18" charset="0"/>
               </a:rPr>
               <a:t>多层梯度提升决策树</a:t>
             </a:r>
             <a:r>
               <a:rPr lang="zh-CN" altLang="zh-CN" sz="2000" dirty="0">
-                <a:ea typeface="宋体" panose="02010600030101010101" pitchFamily="2" charset="-122"/>
+                <a:ea typeface="宋体" pitchFamily="2" charset="-122"/>
                 <a:cs typeface="Times New Roman" panose="02020603050405020304" pitchFamily="18" charset="0"/>
               </a:rPr>
               <a:t>（</a:t>
             </a:r>
             <a:r>
               <a:rPr lang="en-US" altLang="zh-CN" sz="2000" dirty="0">
-                <a:ea typeface="宋体" panose="02010600030101010101" pitchFamily="2" charset="-122"/>
+                <a:ea typeface="宋体" pitchFamily="2" charset="-122"/>
                 <a:cs typeface="Times New Roman" panose="02020603050405020304" pitchFamily="18" charset="0"/>
               </a:rPr>
               <a:t>Multi-Layered Gradient Boosting Decision Trees</a:t>
             </a:r>
             <a:r>
               <a:rPr lang="zh-CN" altLang="en-US" sz="2000" dirty="0">
-                <a:ea typeface="宋体" panose="02010600030101010101" pitchFamily="2" charset="-122"/>
+                <a:ea typeface="宋体" pitchFamily="2" charset="-122"/>
                 <a:cs typeface="Times New Roman" panose="02020603050405020304" pitchFamily="18" charset="0"/>
               </a:rPr>
               <a:t>，</a:t>
@@ -16854,8 +16763,8 @@
                 <a:solidFill>
                   <a:srgbClr val="222222"/>
                 </a:solidFill>
-                <a:latin typeface="SimSun" panose="02010600030101010101" pitchFamily="2" charset="-122"/>
-                <a:ea typeface="SimSun" panose="02010600030101010101" pitchFamily="2" charset="-122"/>
+                <a:latin typeface="宋体" panose="02010600030101010101" pitchFamily="2" charset="-122"/>
+                <a:ea typeface="宋体" panose="02010600030101010101" pitchFamily="2" charset="-122"/>
               </a:rPr>
               <a:t> </a:t>
             </a:r>
@@ -16864,8 +16773,8 @@
                 <a:solidFill>
                   <a:srgbClr val="222222"/>
                 </a:solidFill>
-                <a:latin typeface="SimSun" panose="02010600030101010101" pitchFamily="2" charset="-122"/>
-                <a:ea typeface="SimSun" panose="02010600030101010101" pitchFamily="2" charset="-122"/>
+                <a:latin typeface="宋体" panose="02010600030101010101" pitchFamily="2" charset="-122"/>
+                <a:ea typeface="宋体" panose="02010600030101010101" pitchFamily="2" charset="-122"/>
               </a:rPr>
               <a:t>mGBDT</a:t>
             </a:r>
@@ -16874,14 +16783,14 @@
                 <a:solidFill>
                   <a:srgbClr val="222222"/>
                 </a:solidFill>
-                <a:latin typeface="SimSun" panose="02010600030101010101" pitchFamily="2" charset="-122"/>
-                <a:ea typeface="SimSun" panose="02010600030101010101" pitchFamily="2" charset="-122"/>
+                <a:latin typeface="宋体" panose="02010600030101010101" pitchFamily="2" charset="-122"/>
+                <a:ea typeface="宋体" panose="02010600030101010101" pitchFamily="2" charset="-122"/>
               </a:rPr>
               <a:t> </a:t>
             </a:r>
             <a:r>
               <a:rPr lang="zh-CN" altLang="zh-CN" sz="2000" dirty="0">
-                <a:ea typeface="宋体" panose="02010600030101010101" pitchFamily="2" charset="-122"/>
+                <a:ea typeface="宋体" pitchFamily="2" charset="-122"/>
                 <a:cs typeface="Times New Roman" panose="02020603050405020304" pitchFamily="18" charset="0"/>
               </a:rPr>
               <a:t>）</a:t>
@@ -16914,18 +16823,13 @@
               <a:rPr lang="zh-CN" altLang="en-US" sz="2000" dirty="0"/>
               <a:t>。</a:t>
             </a:r>
-          </a:p>
-        </p:txBody>
-      </p:sp>
-      <p:sp>
-        <p:nvSpPr>
-          <p:cNvPr id="7" name="Rectangle 4">
-            <a:extLst>
-              <a:ext uri="{FF2B5EF4-FFF2-40B4-BE49-F238E27FC236}">
-                <a16:creationId xmlns:a16="http://schemas.microsoft.com/office/drawing/2014/main" id="{C4C6E418-FD66-4E41-81F2-7AB64F612ADC}"/>
-              </a:ext>
-            </a:extLst>
-          </p:cNvPr>
+            <a:endParaRPr lang="zh-CN" altLang="en-US" sz="2000" dirty="0"/>
+          </a:p>
+        </p:txBody>
+      </p:sp>
+      <p:sp>
+        <p:nvSpPr>
+          <p:cNvPr id="7" name="Rectangle 4"/>
           <p:cNvSpPr>
             <a:spLocks noChangeArrowheads="1"/>
           </p:cNvSpPr>
@@ -16975,9 +16879,6 @@
         </p:spPr>
         <p:txBody>
           <a:bodyPr vert="horz" wrap="square" lIns="91440" tIns="45720" rIns="91440" bIns="45720" numCol="1" anchor="ctr" anchorCtr="0" compatLnSpc="1">
-            <a:prstTxWarp prst="textNoShape">
-              <a:avLst/>
-            </a:prstTxWarp>
             <a:spAutoFit/>
           </a:bodyPr>
           <a:lstStyle/>
@@ -16988,13 +16889,7 @@
       </p:sp>
       <p:sp>
         <p:nvSpPr>
-          <p:cNvPr id="4" name="矩形 3">
-            <a:extLst>
-              <a:ext uri="{FF2B5EF4-FFF2-40B4-BE49-F238E27FC236}">
-                <a16:creationId xmlns:a16="http://schemas.microsoft.com/office/drawing/2014/main" id="{8CDA4352-60A1-4A6A-9649-2DB23CCBDAC1}"/>
-              </a:ext>
-            </a:extLst>
-          </p:cNvPr>
+          <p:cNvPr id="4" name="矩形 3"/>
           <p:cNvSpPr/>
           <p:nvPr/>
         </p:nvSpPr>
@@ -17045,15 +16940,11 @@
               <a:rPr lang="zh-CN" altLang="en-US" sz="2000" dirty="0"/>
               <a:t>）的优异性能，这种方法在很多神经网络不适合的应用领域中具有巨大的潜力。</a:t>
             </a:r>
+            <a:endParaRPr lang="zh-CN" altLang="en-US" sz="2000" dirty="0"/>
           </a:p>
         </p:txBody>
       </p:sp>
     </p:spTree>
-    <p:extLst>
-      <p:ext uri="{BB962C8B-B14F-4D97-AF65-F5344CB8AC3E}">
-        <p14:creationId xmlns:p14="http://schemas.microsoft.com/office/powerpoint/2010/main" val="2893860303"/>
-      </p:ext>
-    </p:extLst>
   </p:cSld>
   <p:clrMapOvr>
     <a:masterClrMapping/>
@@ -18244,6 +18135,20 @@
               </a:rPr>
               <a:t>的基本概念</a:t>
             </a:r>
+            <a:endParaRPr kumimoji="0" lang="zh-CN" altLang="en-US" sz="3000" b="1" i="0" u="none" strike="noStrike" kern="1200" cap="none" spc="0" normalizeH="0" baseline="0" noProof="0" dirty="0">
+              <a:ln>
+                <a:noFill/>
+              </a:ln>
+              <a:solidFill>
+                <a:srgbClr val="3C3C3C"/>
+              </a:solidFill>
+              <a:effectLst/>
+              <a:uLnTx/>
+              <a:uFillTx/>
+              <a:latin typeface="微软雅黑" pitchFamily="34" charset="-122"/>
+              <a:ea typeface="微软雅黑" pitchFamily="34" charset="-122"/>
+              <a:cs typeface="+mn-cs"/>
+            </a:endParaRPr>
           </a:p>
         </p:txBody>
       </p:sp>
@@ -19113,11 +19018,11 @@
             </a:pathLst>
           </a:custGeom>
           <a:blipFill dpi="0" rotWithShape="1">
-            <a:blip r:embed="rId3" cstate="screen">
+            <a:blip r:embed="rId1" cstate="screen">
               <a:extLst>
                 <a:ext uri="{BEBA8EAE-BF5A-486C-A8C5-ECC9F3942E4B}">
                   <a14:imgProps xmlns:a14="http://schemas.microsoft.com/office/drawing/2010/main">
-                    <a14:imgLayer r:embed="rId4">
+                    <a14:imgLayer r:embed="rId2">
                       <a14:imgEffect>
                         <a14:colorTemperature colorTemp="5900"/>
                       </a14:imgEffect>
@@ -19658,6 +19563,20 @@
               </a:rPr>
               <a:t>目录</a:t>
             </a:r>
+            <a:endParaRPr kumimoji="0" lang="zh-CN" altLang="en-US" sz="2800" b="0" i="0" u="none" strike="noStrike" kern="1200" cap="none" spc="0" normalizeH="0" baseline="0" noProof="0" dirty="0">
+              <a:ln>
+                <a:noFill/>
+              </a:ln>
+              <a:solidFill>
+                <a:srgbClr val="FFFFFF"/>
+              </a:solidFill>
+              <a:effectLst/>
+              <a:uLnTx/>
+              <a:uFillTx/>
+              <a:latin typeface="微软雅黑" pitchFamily="34" charset="-122"/>
+              <a:ea typeface="微软雅黑" pitchFamily="34" charset="-122"/>
+              <a:cs typeface="+mn-cs"/>
+            </a:endParaRPr>
           </a:p>
         </p:txBody>
       </p:sp>
@@ -19876,7 +19795,7 @@
           <p:nvPr/>
         </p:nvPicPr>
         <p:blipFill>
-          <a:blip r:embed="rId5" cstate="screen"/>
+          <a:blip r:embed="rId3" cstate="screen"/>
           <a:srcRect/>
           <a:stretch>
             <a:fillRect/>
@@ -20616,6 +20535,20 @@
               </a:rPr>
               <a:t>4</a:t>
             </a:r>
+            <a:endParaRPr kumimoji="0" lang="en-US" sz="4000" b="1" i="0" u="none" strike="noStrike" kern="1200" cap="none" spc="0" normalizeH="0" baseline="0" noProof="0" dirty="0">
+              <a:ln>
+                <a:noFill/>
+              </a:ln>
+              <a:solidFill>
+                <a:srgbClr val="FFFFFF"/>
+              </a:solidFill>
+              <a:effectLst/>
+              <a:uLnTx/>
+              <a:uFillTx/>
+              <a:latin typeface="微软雅黑" pitchFamily="34" charset="-122"/>
+              <a:ea typeface="微软雅黑" pitchFamily="34" charset="-122"/>
+              <a:cs typeface="+mn-cs"/>
+            </a:endParaRPr>
           </a:p>
         </p:txBody>
       </p:sp>
@@ -20672,7 +20605,6 @@
                 <a:ea typeface="华文中宋" charset="0"/>
                 <a:cs typeface="+mn-cs"/>
               </a:rPr>
-              <a:t>2</a:t>
             </a:fld>
             <a:endParaRPr kumimoji="0" lang="en-US" altLang="zh-CN" sz="1200" b="1" i="0" u="none" strike="noStrike" kern="1200" cap="none" spc="0" normalizeH="0" baseline="0" noProof="0" dirty="0">
               <a:ln>
@@ -20897,13 +20829,13 @@
   <p:clrMapOvr>
     <a:masterClrMapping/>
   </p:clrMapOvr>
-  <mc:AlternateContent xmlns:mc="http://schemas.openxmlformats.org/markup-compatibility/2006" xmlns:p14="http://schemas.microsoft.com/office/powerpoint/2010/main">
-    <mc:Choice Requires="p14">
+  <mc:AlternateContent xmlns:mc="http://schemas.openxmlformats.org/markup-compatibility/2006">
+    <mc:Choice xmlns:p14="http://schemas.microsoft.com/office/powerpoint/2010/main" Requires="p14">
       <p:transition p14:dur="100">
         <p:cut/>
       </p:transition>
     </mc:Choice>
-    <mc:Fallback xmlns="">
+    <mc:Fallback>
       <p:transition>
         <p:cut/>
       </p:transition>
@@ -20961,6 +20893,7 @@
               <a:rPr lang="zh-CN" dirty="0"/>
               <a:t>决策树</a:t>
             </a:r>
+            <a:endParaRPr lang="zh-CN" dirty="0"/>
           </a:p>
         </p:txBody>
       </p:sp>
@@ -21012,7 +20945,6 @@
                 <a:ea typeface="华文中宋" charset="0"/>
                 <a:cs typeface="+mn-cs"/>
               </a:rPr>
-              <a:t>20</a:t>
             </a:fld>
             <a:endParaRPr kumimoji="0" lang="en-US" altLang="zh-CN" sz="1200" b="1" i="0" u="none" strike="noStrike" kern="1200" cap="none" spc="0" normalizeH="0" baseline="0" noProof="0">
               <a:ln>
@@ -21035,13 +20967,7 @@
       </p:sp>
       <p:sp>
         <p:nvSpPr>
-          <p:cNvPr id="7" name="Rectangle 4">
-            <a:extLst>
-              <a:ext uri="{FF2B5EF4-FFF2-40B4-BE49-F238E27FC236}">
-                <a16:creationId xmlns:a16="http://schemas.microsoft.com/office/drawing/2014/main" id="{C4C6E418-FD66-4E41-81F2-7AB64F612ADC}"/>
-              </a:ext>
-            </a:extLst>
-          </p:cNvPr>
+          <p:cNvPr id="7" name="Rectangle 4"/>
           <p:cNvSpPr>
             <a:spLocks noChangeArrowheads="1"/>
           </p:cNvSpPr>
@@ -21091,9 +21017,6 @@
         </p:spPr>
         <p:txBody>
           <a:bodyPr vert="horz" wrap="square" lIns="91440" tIns="45720" rIns="91440" bIns="45720" numCol="1" anchor="ctr" anchorCtr="0" compatLnSpc="1">
-            <a:prstTxWarp prst="textNoShape">
-              <a:avLst/>
-            </a:prstTxWarp>
             <a:spAutoFit/>
           </a:bodyPr>
           <a:lstStyle/>
@@ -21104,20 +21027,14 @@
       </p:sp>
       <p:pic>
         <p:nvPicPr>
-          <p:cNvPr id="4" name="图片 3">
-            <a:extLst>
-              <a:ext uri="{FF2B5EF4-FFF2-40B4-BE49-F238E27FC236}">
-                <a16:creationId xmlns:a16="http://schemas.microsoft.com/office/drawing/2014/main" id="{DFDC6514-F614-4F85-8BDC-C3FD0038874D}"/>
-              </a:ext>
-            </a:extLst>
-          </p:cNvPr>
+          <p:cNvPr id="4" name="图片 3"/>
           <p:cNvPicPr>
             <a:picLocks noChangeAspect="1"/>
           </p:cNvPicPr>
           <p:nvPr/>
         </p:nvPicPr>
         <p:blipFill>
-          <a:blip r:embed="rId3"/>
+          <a:blip r:embed="rId1"/>
           <a:stretch>
             <a:fillRect/>
           </a:stretch>
@@ -22033,13 +21950,13 @@
   <p:clrMapOvr>
     <a:masterClrMapping/>
   </p:clrMapOvr>
-  <mc:AlternateContent xmlns:mc="http://schemas.openxmlformats.org/markup-compatibility/2006" xmlns:p14="http://schemas.microsoft.com/office/powerpoint/2010/main">
-    <mc:Choice Requires="p14">
+  <mc:AlternateContent xmlns:mc="http://schemas.openxmlformats.org/markup-compatibility/2006">
+    <mc:Choice xmlns:p14="http://schemas.microsoft.com/office/powerpoint/2010/main" Requires="p14">
       <p:transition p14:dur="100">
         <p:cut/>
       </p:transition>
     </mc:Choice>
-    <mc:Fallback xmlns="">
+    <mc:Fallback>
       <p:transition>
         <p:cut/>
       </p:transition>
@@ -22084,6 +22001,7 @@
               <a:rPr lang="zh-CN" altLang="en-US" dirty="0"/>
               <a:t>深度森林的适用条件</a:t>
             </a:r>
+            <a:endParaRPr lang="zh-CN" altLang="en-US" dirty="0"/>
           </a:p>
         </p:txBody>
       </p:sp>
@@ -22135,7 +22053,6 @@
                 <a:ea typeface="华文中宋" charset="0"/>
                 <a:cs typeface="+mn-cs"/>
               </a:rPr>
-              <a:t>22</a:t>
             </a:fld>
             <a:endParaRPr kumimoji="0" lang="en-US" altLang="zh-CN" sz="1200" b="1" i="0" u="none" strike="noStrike" kern="1200" cap="none" spc="0" normalizeH="0" baseline="0" noProof="0">
               <a:ln>
@@ -22929,6 +22846,20 @@
               </a:rPr>
               <a:t>中英文术语对照</a:t>
             </a:r>
+            <a:endParaRPr kumimoji="0" lang="zh-CN" altLang="en-US" sz="4400" b="1" i="0" u="none" strike="noStrike" kern="1200" cap="none" spc="0" normalizeH="0" baseline="0" noProof="0" dirty="0">
+              <a:ln>
+                <a:noFill/>
+              </a:ln>
+              <a:solidFill>
+                <a:srgbClr val="FDCB34"/>
+              </a:solidFill>
+              <a:effectLst/>
+              <a:uLnTx/>
+              <a:uFillTx/>
+              <a:latin typeface="微软雅黑" pitchFamily="34" charset="-122"/>
+              <a:ea typeface="微软雅黑" pitchFamily="34" charset="-122"/>
+              <a:cs typeface="+mn-cs"/>
+            </a:endParaRPr>
           </a:p>
         </p:txBody>
       </p:sp>
@@ -23143,13 +23074,13 @@
   <p:clrMapOvr>
     <a:masterClrMapping/>
   </p:clrMapOvr>
-  <mc:AlternateContent xmlns:mc="http://schemas.openxmlformats.org/markup-compatibility/2006" xmlns:p14="http://schemas.microsoft.com/office/powerpoint/2010/main">
-    <mc:Choice Requires="p14">
+  <mc:AlternateContent xmlns:mc="http://schemas.openxmlformats.org/markup-compatibility/2006">
+    <mc:Choice xmlns:p14="http://schemas.microsoft.com/office/powerpoint/2010/main" Requires="p14">
       <p:transition p14:dur="100">
         <p:cut/>
       </p:transition>
     </mc:Choice>
-    <mc:Fallback xmlns="">
+    <mc:Fallback>
       <p:transition>
         <p:cut/>
       </p:transition>
@@ -23194,6 +23125,7 @@
               <a:rPr lang="zh-CN" altLang="en-US" dirty="0"/>
               <a:t>中英文术语对照</a:t>
             </a:r>
+            <a:endParaRPr lang="zh-CN" altLang="en-US" dirty="0"/>
           </a:p>
         </p:txBody>
       </p:sp>
@@ -23245,7 +23177,6 @@
                 <a:ea typeface="华文中宋" charset="0"/>
                 <a:cs typeface="+mn-cs"/>
               </a:rPr>
-              <a:t>24</a:t>
             </a:fld>
             <a:endParaRPr kumimoji="0" lang="en-US" altLang="zh-CN" sz="1200" b="1" i="0" u="none" strike="noStrike" kern="1200" cap="none" spc="0" normalizeH="0" baseline="0" noProof="0" dirty="0">
               <a:ln>
@@ -23312,6 +23243,7 @@
               <a:rPr lang="en-US" altLang="zh-CN" sz="3200" dirty="0"/>
               <a:t>Deep Forest</a:t>
             </a:r>
+            <a:endParaRPr lang="en-US" altLang="zh-CN" sz="3200" dirty="0"/>
           </a:p>
           <a:p>
             <a:pPr>
@@ -23338,6 +23270,7 @@
               <a:rPr lang="en-US" altLang="zh-CN" sz="3200" dirty="0"/>
               <a:t>Decision Tree</a:t>
             </a:r>
+            <a:endParaRPr lang="en-US" altLang="zh-CN" sz="3200" dirty="0"/>
           </a:p>
           <a:p>
             <a:pPr>
@@ -23364,6 +23297,7 @@
               <a:rPr lang="en-US" altLang="zh-CN" sz="3200" dirty="0"/>
               <a:t>Random Forest</a:t>
             </a:r>
+            <a:endParaRPr lang="en-US" altLang="zh-CN" sz="3200" dirty="0"/>
           </a:p>
           <a:p>
             <a:pPr>
@@ -23480,6 +23414,7 @@
               <a:rPr lang="en-US" altLang="zh-CN" sz="3200" dirty="0"/>
               <a:t>Multi-Layered Gradient Boosting Decision Trees</a:t>
             </a:r>
+            <a:endParaRPr lang="en-US" altLang="zh-CN" sz="3200" dirty="0"/>
           </a:p>
           <a:p>
             <a:pPr>
@@ -23514,7 +23449,7 @@
     <p:bg>
       <p:bgPr>
         <a:blipFill dpi="0" rotWithShape="1">
-          <a:blip r:embed="rId3" cstate="screen">
+          <a:blip r:embed="rId1" cstate="screen">
             <a:lum/>
           </a:blip>
           <a:srcRect/>
@@ -23548,7 +23483,7 @@
           <p:nvPr/>
         </p:nvPicPr>
         <p:blipFill>
-          <a:blip r:embed="rId4" cstate="screen"/>
+          <a:blip r:embed="rId2" cstate="screen"/>
           <a:stretch>
             <a:fillRect/>
           </a:stretch>
@@ -23572,7 +23507,7 @@
           <p:nvPr/>
         </p:nvPicPr>
         <p:blipFill>
-          <a:blip r:embed="rId5"/>
+          <a:blip r:embed="rId3"/>
           <a:stretch>
             <a:fillRect/>
           </a:stretch>
@@ -23635,7 +23570,6 @@
                 <a:ea typeface="华文中宋" charset="0"/>
                 <a:cs typeface="+mn-cs"/>
               </a:rPr>
-              <a:t>25</a:t>
             </a:fld>
             <a:endParaRPr kumimoji="0" lang="en-US" altLang="zh-CN" sz="1200" b="1" i="0" u="none" strike="noStrike" kern="1200" cap="none" spc="0" normalizeH="0" baseline="0" noProof="0">
               <a:ln>
@@ -23661,13 +23595,13 @@
   <p:clrMapOvr>
     <a:masterClrMapping/>
   </p:clrMapOvr>
-  <mc:AlternateContent xmlns:mc="http://schemas.openxmlformats.org/markup-compatibility/2006" xmlns:p14="http://schemas.microsoft.com/office/powerpoint/2010/main">
-    <mc:Choice Requires="p14">
+  <mc:AlternateContent xmlns:mc="http://schemas.openxmlformats.org/markup-compatibility/2006">
+    <mc:Choice xmlns:p14="http://schemas.microsoft.com/office/powerpoint/2010/main" Requires="p14">
       <p:transition spd="slow" p14:dur="1500">
         <p:split orient="vert"/>
       </p:transition>
     </mc:Choice>
-    <mc:Fallback xmlns="">
+    <mc:Fallback>
       <p:transition spd="slow">
         <p:split orient="vert"/>
       </p:transition>
@@ -24355,6 +24289,20 @@
               </a:rPr>
               <a:t>深度森林的基本概念</a:t>
             </a:r>
+            <a:endParaRPr kumimoji="0" lang="zh-CN" altLang="en-US" sz="4400" b="1" i="0" u="none" strike="noStrike" kern="1200" cap="none" spc="0" normalizeH="0" baseline="0" noProof="0" dirty="0">
+              <a:ln>
+                <a:noFill/>
+              </a:ln>
+              <a:solidFill>
+                <a:srgbClr val="FDCB34"/>
+              </a:solidFill>
+              <a:effectLst/>
+              <a:uLnTx/>
+              <a:uFillTx/>
+              <a:latin typeface="微软雅黑" pitchFamily="34" charset="-122"/>
+              <a:ea typeface="微软雅黑" pitchFamily="34" charset="-122"/>
+              <a:cs typeface="+mn-cs"/>
+            </a:endParaRPr>
           </a:p>
         </p:txBody>
       </p:sp>
@@ -24569,13 +24517,13 @@
   <p:clrMapOvr>
     <a:masterClrMapping/>
   </p:clrMapOvr>
-  <mc:AlternateContent xmlns:mc="http://schemas.openxmlformats.org/markup-compatibility/2006" xmlns:p14="http://schemas.microsoft.com/office/powerpoint/2010/main">
-    <mc:Choice Requires="p14">
+  <mc:AlternateContent xmlns:mc="http://schemas.openxmlformats.org/markup-compatibility/2006">
+    <mc:Choice xmlns:p14="http://schemas.microsoft.com/office/powerpoint/2010/main" Requires="p14">
       <p:transition p14:dur="100">
         <p:cut/>
       </p:transition>
     </mc:Choice>
-    <mc:Fallback xmlns="">
+    <mc:Fallback>
       <p:transition>
         <p:cut/>
       </p:transition>
@@ -24635,6 +24583,7 @@
               <a:rPr lang="zh-CN" dirty="0"/>
               <a:t>决策树</a:t>
             </a:r>
+            <a:endParaRPr lang="zh-CN" dirty="0"/>
           </a:p>
         </p:txBody>
       </p:sp>
@@ -24686,7 +24635,6 @@
                 <a:ea typeface="华文中宋" charset="0"/>
                 <a:cs typeface="+mn-cs"/>
               </a:rPr>
-              <a:t>4</a:t>
             </a:fld>
             <a:endParaRPr kumimoji="0" lang="en-US" altLang="zh-CN" sz="1200" b="1" i="0" u="none" strike="noStrike" kern="1200" cap="none" spc="0" normalizeH="0" baseline="0" noProof="0">
               <a:ln>
@@ -24791,13 +24739,7 @@
       </p:sp>
       <p:sp>
         <p:nvSpPr>
-          <p:cNvPr id="3" name="矩形 2">
-            <a:extLst>
-              <a:ext uri="{FF2B5EF4-FFF2-40B4-BE49-F238E27FC236}">
-                <a16:creationId xmlns:a16="http://schemas.microsoft.com/office/drawing/2014/main" id="{86B9F307-8787-41CA-BA00-967645E0091E}"/>
-              </a:ext>
-            </a:extLst>
-          </p:cNvPr>
+          <p:cNvPr id="3" name="矩形 2"/>
           <p:cNvSpPr/>
           <p:nvPr/>
         </p:nvSpPr>
@@ -24895,25 +24837,20 @@
               <a:rPr lang="zh-CN" altLang="en-US" dirty="0"/>
               <a:t>、剪枝，防止过拟合。</a:t>
             </a:r>
+            <a:endParaRPr lang="zh-CN" altLang="en-US" dirty="0"/>
           </a:p>
         </p:txBody>
       </p:sp>
       <p:pic>
         <p:nvPicPr>
-          <p:cNvPr id="5" name="图片 4">
-            <a:extLst>
-              <a:ext uri="{FF2B5EF4-FFF2-40B4-BE49-F238E27FC236}">
-                <a16:creationId xmlns:a16="http://schemas.microsoft.com/office/drawing/2014/main" id="{E03C9C4D-72CE-4FD4-9915-99F16E0DCE78}"/>
-              </a:ext>
-            </a:extLst>
-          </p:cNvPr>
+          <p:cNvPr id="5" name="图片 4"/>
           <p:cNvPicPr>
             <a:picLocks noChangeAspect="1"/>
           </p:cNvPicPr>
           <p:nvPr/>
         </p:nvPicPr>
         <p:blipFill>
-          <a:blip r:embed="rId3"/>
+          <a:blip r:embed="rId1"/>
           <a:stretch>
             <a:fillRect/>
           </a:stretch>
@@ -24987,6 +24924,7 @@
               <a:rPr lang="zh-CN" dirty="0"/>
               <a:t>随机森林</a:t>
             </a:r>
+            <a:endParaRPr lang="zh-CN" dirty="0"/>
           </a:p>
         </p:txBody>
       </p:sp>
@@ -25038,7 +24976,6 @@
                 <a:ea typeface="华文中宋" charset="0"/>
                 <a:cs typeface="+mn-cs"/>
               </a:rPr>
-              <a:t>5</a:t>
             </a:fld>
             <a:endParaRPr kumimoji="0" lang="en-US" altLang="zh-CN" sz="1200" b="1" i="0" u="none" strike="noStrike" kern="1200" cap="none" spc="0" normalizeH="0" baseline="0" noProof="0">
               <a:ln>
@@ -25158,13 +25095,7 @@
       </p:sp>
       <p:sp>
         <p:nvSpPr>
-          <p:cNvPr id="3" name="矩形 2">
-            <a:extLst>
-              <a:ext uri="{FF2B5EF4-FFF2-40B4-BE49-F238E27FC236}">
-                <a16:creationId xmlns:a16="http://schemas.microsoft.com/office/drawing/2014/main" id="{2B22EDFA-5604-438E-8BA0-B334C87854AC}"/>
-              </a:ext>
-            </a:extLst>
-          </p:cNvPr>
+          <p:cNvPr id="3" name="矩形 2"/>
           <p:cNvSpPr/>
           <p:nvPr/>
         </p:nvSpPr>
@@ -25196,6 +25127,12 @@
               </a:rPr>
               <a:t>随机森林的生成方法：</a:t>
             </a:r>
+            <a:endParaRPr lang="zh-CN" altLang="en-US" sz="2600" dirty="0">
+              <a:solidFill>
+                <a:srgbClr val="0070C0"/>
+              </a:solidFill>
+              <a:latin typeface="+mn-ea"/>
+            </a:endParaRPr>
           </a:p>
           <a:p>
             <a:endParaRPr lang="zh-CN" altLang="en-US" dirty="0"/>
@@ -25217,6 +25154,7 @@
               <a:rPr lang="zh-CN" altLang="en-US" sz="2000" dirty="0"/>
               <a:t>个样本</a:t>
             </a:r>
+            <a:endParaRPr lang="zh-CN" altLang="en-US" sz="2000" dirty="0"/>
           </a:p>
           <a:p>
             <a:endParaRPr lang="zh-CN" altLang="en-US" sz="2000" dirty="0"/>
@@ -25262,6 +25200,7 @@
               <a:rPr lang="zh-CN" altLang="en-US" sz="2000" dirty="0"/>
               <a:t>个特征，用建立决策树的方式获得最佳分割点</a:t>
             </a:r>
+            <a:endParaRPr lang="zh-CN" altLang="en-US" sz="2000" dirty="0"/>
           </a:p>
           <a:p>
             <a:endParaRPr lang="zh-CN" altLang="en-US" sz="2000" dirty="0"/>
@@ -25291,6 +25230,7 @@
               <a:rPr lang="zh-CN" altLang="en-US" sz="2000" dirty="0"/>
               <a:t>棵决策树</a:t>
             </a:r>
+            <a:endParaRPr lang="zh-CN" altLang="en-US" sz="2000" dirty="0"/>
           </a:p>
           <a:p>
             <a:endParaRPr lang="zh-CN" altLang="en-US" sz="2000" dirty="0"/>
@@ -25304,6 +25244,7 @@
               <a:rPr lang="zh-CN" altLang="en-US" sz="2000" dirty="0"/>
               <a:t>多数投票机制来进行预测</a:t>
             </a:r>
+            <a:endParaRPr lang="zh-CN" altLang="en-US" sz="2000" dirty="0"/>
           </a:p>
         </p:txBody>
       </p:sp>
@@ -25362,6 +25303,7 @@
               <a:rPr lang="en-US" dirty="0"/>
               <a:t>决策树</a:t>
             </a:r>
+            <a:endParaRPr lang="en-US" dirty="0"/>
           </a:p>
         </p:txBody>
       </p:sp>
@@ -25413,7 +25355,6 @@
                 <a:ea typeface="华文中宋" charset="0"/>
                 <a:cs typeface="+mn-cs"/>
               </a:rPr>
-              <a:t>6</a:t>
             </a:fld>
             <a:endParaRPr kumimoji="0" lang="en-US" altLang="zh-CN" sz="1200" b="1" i="0" u="none" strike="noStrike" kern="1200" cap="none" spc="0" normalizeH="0" baseline="0" noProof="0">
               <a:ln>
@@ -25503,6 +25444,9 @@
               </a:rPr>
               <a:t>来提升分类效果的机器学习算法，所有树的结论累加起来作为最终结果。在很多分类和回归的场景中，表现不错且泛化能力较强。</a:t>
             </a:r>
+            <a:endParaRPr lang="zh-CN" altLang="en-US" sz="2600" dirty="0">
+              <a:latin typeface="+mn-ea"/>
+            </a:endParaRPr>
           </a:p>
         </p:txBody>
       </p:sp>
@@ -25561,6 +25505,7 @@
               <a:rPr lang="zh-CN" altLang="en-US" dirty="0"/>
               <a:t>：消费者的消费力预测</a:t>
             </a:r>
+            <a:endParaRPr lang="zh-CN" altLang="en-US" dirty="0"/>
           </a:p>
         </p:txBody>
       </p:sp>
@@ -25612,7 +25557,6 @@
                 <a:ea typeface="华文中宋" charset="0"/>
                 <a:cs typeface="+mn-cs"/>
               </a:rPr>
-              <a:t>7</a:t>
             </a:fld>
             <a:endParaRPr kumimoji="0" lang="en-US" altLang="zh-CN" sz="1200" b="1" i="0" u="none" strike="noStrike" kern="1200" cap="none" spc="0" normalizeH="0" baseline="0" noProof="0">
               <a:ln>
@@ -25642,7 +25586,7 @@
           <p:nvPr/>
         </p:nvPicPr>
         <p:blipFill>
-          <a:blip r:embed="rId3"/>
+          <a:blip r:embed="rId1"/>
           <a:stretch>
             <a:fillRect/>
           </a:stretch>
@@ -25666,7 +25610,7 @@
           <p:nvPr/>
         </p:nvPicPr>
         <p:blipFill>
-          <a:blip r:embed="rId4"/>
+          <a:blip r:embed="rId2"/>
           <a:stretch>
             <a:fillRect/>
           </a:stretch>
@@ -25732,6 +25676,7 @@
               <a:rPr lang="zh-CN" dirty="0"/>
               <a:t>深度森林</a:t>
             </a:r>
+            <a:endParaRPr lang="zh-CN" dirty="0"/>
           </a:p>
         </p:txBody>
       </p:sp>
@@ -25783,7 +25728,6 @@
                 <a:ea typeface="华文中宋" charset="0"/>
                 <a:cs typeface="+mn-cs"/>
               </a:rPr>
-              <a:t>8</a:t>
             </a:fld>
             <a:endParaRPr kumimoji="0" lang="en-US" altLang="zh-CN" sz="1200" b="1" i="0" u="none" strike="noStrike" kern="1200" cap="none" spc="0" normalizeH="0" baseline="0" noProof="0">
               <a:ln>
@@ -25854,6 +25798,9 @@
               </a:rPr>
               <a:t>神经网络可以堆叠为深度神经网络，并且取得了显著的效果。那我们可以考虑，是不是可以将其他的学习模型堆叠起来，以获取更好的表示性能，深度森林模型就是基于这种想法提出来的一种深度结构。</a:t>
             </a:r>
+            <a:endParaRPr lang="zh-CN" altLang="en-US" sz="2600" dirty="0">
+              <a:latin typeface="+mn-ea"/>
+            </a:endParaRPr>
           </a:p>
         </p:txBody>
       </p:sp>
@@ -25927,6 +25874,9 @@
               </a:rPr>
               <a:t>思想方法的深度学习框架，也可作为一种在某些任务下替代深度神经网络的方法。</a:t>
             </a:r>
+            <a:endParaRPr lang="zh-CN" altLang="en-US" sz="2600" dirty="0">
+              <a:latin typeface="+mn-ea"/>
+            </a:endParaRPr>
           </a:p>
         </p:txBody>
       </p:sp>
@@ -25981,6 +25931,7 @@
               <a:rPr lang="zh-CN" dirty="0"/>
               <a:t>深度森林</a:t>
             </a:r>
+            <a:endParaRPr lang="zh-CN" dirty="0"/>
           </a:p>
         </p:txBody>
       </p:sp>
@@ -26032,7 +25983,6 @@
                 <a:ea typeface="华文中宋" charset="0"/>
                 <a:cs typeface="+mn-cs"/>
               </a:rPr>
-              <a:t>9</a:t>
             </a:fld>
             <a:endParaRPr kumimoji="0" lang="en-US" altLang="zh-CN" sz="1200" b="1" i="0" u="none" strike="noStrike" kern="1200" cap="none" spc="0" normalizeH="0" baseline="0" noProof="0">
               <a:ln>
@@ -26130,6 +26080,9 @@
               </a:rPr>
               <a:t>训练速度快。</a:t>
             </a:r>
+            <a:endParaRPr lang="zh-CN" altLang="en-US" sz="2600" dirty="0">
+              <a:latin typeface="+mn-ea"/>
+            </a:endParaRPr>
           </a:p>
           <a:p>
             <a:pPr marL="514350" indent="-514350" algn="l">
@@ -26142,6 +26095,9 @@
               </a:rPr>
               <a:t>不仅适合大规模数据也适合小规模数据。</a:t>
             </a:r>
+            <a:endParaRPr lang="zh-CN" altLang="en-US" sz="2600" dirty="0">
+              <a:latin typeface="+mn-ea"/>
+            </a:endParaRPr>
           </a:p>
           <a:p>
             <a:pPr marL="514350" indent="-514350" algn="l">
@@ -26154,6 +26110,9 @@
               </a:rPr>
               <a:t> 基于树模型解释性比较好。</a:t>
             </a:r>
+            <a:endParaRPr lang="zh-CN" altLang="en-US" sz="2600" dirty="0">
+              <a:latin typeface="+mn-ea"/>
+            </a:endParaRPr>
           </a:p>
         </p:txBody>
       </p:sp>
@@ -26356,8 +26315,6 @@
       </a:bgFillStyleLst>
     </a:fmtScheme>
   </a:themeElements>
-  <a:objectDefaults/>
-  <a:extraClrSchemeLst/>
   <a:extLst>
     <a:ext uri="{05A4C25C-085E-4340-85A3-A5531E510DB2}">
       <thm15:themeFamily xmlns:thm15="http://schemas.microsoft.com/office/thememl/2012/main" name="Office Theme" id="{62F939B6-93AF-4DB8-9C6B-D6C7DFDC589F}" vid="{4A3C46E8-61CC-4603-A589-7422A47A8E4A}"/>
@@ -26693,8 +26650,6 @@
       </a:bgFillStyleLst>
     </a:fmtScheme>
   </a:themeElements>
-  <a:objectDefaults/>
-  <a:extraClrSchemeLst/>
   <a:extLst>
     <a:ext uri="{05A4C25C-085E-4340-85A3-A5531E510DB2}">
       <thm15:themeFamily xmlns:thm15="http://schemas.microsoft.com/office/thememl/2012/main" name="Office Theme" id="{62F939B6-93AF-4DB8-9C6B-D6C7DFDC589F}" vid="{4A3C46E8-61CC-4603-A589-7422A47A8E4A}"/>
@@ -26894,8 +26849,6 @@
       </a:bgFillStyleLst>
     </a:fmtScheme>
   </a:themeElements>
-  <a:objectDefaults/>
-  <a:extraClrSchemeLst/>
   <a:extLst>
     <a:ext uri="{05A4C25C-085E-4340-85A3-A5531E510DB2}">
       <thm15:themeFamily xmlns:thm15="http://schemas.microsoft.com/office/thememl/2012/main" name="Office Theme" id="{62F939B6-93AF-4DB8-9C6B-D6C7DFDC589F}" vid="{4A3C46E8-61CC-4603-A589-7422A47A8E4A}"/>
@@ -27155,8 +27108,6 @@
       </a:bgFillStyleLst>
     </a:fmtScheme>
   </a:themeElements>
-  <a:objectDefaults/>
-  <a:extraClrSchemeLst/>
   <a:extLst>
     <a:ext uri="{05A4C25C-085E-4340-85A3-A5531E510DB2}">
       <thm15:themeFamily xmlns:thm15="http://schemas.microsoft.com/office/thememl/2012/main" name="Office Theme" id="{62F939B6-93AF-4DB8-9C6B-D6C7DFDC589F}" vid="{4A3C46E8-61CC-4603-A589-7422A47A8E4A}"/>
